--- a/W7_Analisis_de_genes_funcionales.pptx
+++ b/W7_Analisis_de_genes_funcionales.pptx
@@ -9,30 +9,31 @@
     <p:sldId id="260" r:id="rId3"/>
     <p:sldId id="261" r:id="rId4"/>
     <p:sldId id="263" r:id="rId5"/>
-    <p:sldId id="264" r:id="rId6"/>
-    <p:sldId id="276" r:id="rId7"/>
-    <p:sldId id="278" r:id="rId8"/>
-    <p:sldId id="279" r:id="rId9"/>
-    <p:sldId id="277" r:id="rId10"/>
-    <p:sldId id="280" r:id="rId11"/>
-    <p:sldId id="266" r:id="rId12"/>
-    <p:sldId id="281" r:id="rId13"/>
-    <p:sldId id="282" r:id="rId14"/>
-    <p:sldId id="275" r:id="rId15"/>
-    <p:sldId id="270" r:id="rId16"/>
-    <p:sldId id="283" r:id="rId17"/>
-    <p:sldId id="284" r:id="rId18"/>
-    <p:sldId id="285" r:id="rId19"/>
-    <p:sldId id="286" r:id="rId20"/>
-    <p:sldId id="287" r:id="rId21"/>
-    <p:sldId id="288" r:id="rId22"/>
-    <p:sldId id="273" r:id="rId23"/>
-    <p:sldId id="292" r:id="rId24"/>
-    <p:sldId id="289" r:id="rId25"/>
-    <p:sldId id="290" r:id="rId26"/>
-    <p:sldId id="291" r:id="rId27"/>
-    <p:sldId id="262" r:id="rId28"/>
+    <p:sldId id="294" r:id="rId6"/>
+    <p:sldId id="264" r:id="rId7"/>
+    <p:sldId id="276" r:id="rId8"/>
+    <p:sldId id="278" r:id="rId9"/>
+    <p:sldId id="279" r:id="rId10"/>
+    <p:sldId id="277" r:id="rId11"/>
+    <p:sldId id="280" r:id="rId12"/>
+    <p:sldId id="266" r:id="rId13"/>
+    <p:sldId id="281" r:id="rId14"/>
+    <p:sldId id="282" r:id="rId15"/>
+    <p:sldId id="275" r:id="rId16"/>
+    <p:sldId id="270" r:id="rId17"/>
+    <p:sldId id="283" r:id="rId18"/>
+    <p:sldId id="284" r:id="rId19"/>
+    <p:sldId id="285" r:id="rId20"/>
+    <p:sldId id="286" r:id="rId21"/>
+    <p:sldId id="287" r:id="rId22"/>
+    <p:sldId id="288" r:id="rId23"/>
+    <p:sldId id="273" r:id="rId24"/>
+    <p:sldId id="292" r:id="rId25"/>
+    <p:sldId id="289" r:id="rId26"/>
+    <p:sldId id="290" r:id="rId27"/>
+    <p:sldId id="291" r:id="rId28"/>
     <p:sldId id="293" r:id="rId29"/>
+    <p:sldId id="262" r:id="rId30"/>
   </p:sldIdLst>
   <p:sldSz cx="12192000" cy="6858000"/>
   <p:notesSz cx="6858000" cy="9144000"/>
@@ -3663,7 +3664,7 @@
           <a:p>
             <a:fld id="{3D0FBAF2-ECAA-417F-A09D-C57DED3C47D3}" type="datetimeFigureOut">
               <a:rPr lang="en-US" smtClean="0"/>
-              <a:t>3/19/2018</a:t>
+              <a:t>3/20/2018</a:t>
             </a:fld>
             <a:endParaRPr lang="en-US"/>
           </a:p>
@@ -4706,7 +4707,7 @@
       </p:grpSpPr>
       <p:sp>
         <p:nvSpPr>
-          <p:cNvPr id="2" name="Title 1"/>
+          <p:cNvPr id="4" name="Title 3"/>
           <p:cNvSpPr>
             <a:spLocks noGrp="1"/>
           </p:cNvSpPr>
@@ -4717,1031 +4718,161 @@
         <p:spPr/>
         <p:txBody>
           <a:bodyPr>
-            <a:normAutofit/>
+            <a:noAutofit/>
           </a:bodyPr>
           <a:lstStyle/>
           <a:p>
             <a:r>
-              <a:rPr lang="es-PE" dirty="0"/>
-              <a:t>Plan de ataque</a:t>
-            </a:r>
-          </a:p>
-        </p:txBody>
-      </p:sp>
-      <p:sp>
-        <p:nvSpPr>
-          <p:cNvPr id="12" name="Rectangle: Rounded Corners 11">
-            <a:extLst>
-              <a:ext uri="{FF2B5EF4-FFF2-40B4-BE49-F238E27FC236}">
-                <a16:creationId xmlns:a16="http://schemas.microsoft.com/office/drawing/2014/main" id="{737AC7FE-2E60-4961-AB84-B7B9CBA69F81}"/>
-              </a:ext>
-            </a:extLst>
-          </p:cNvPr>
-          <p:cNvSpPr/>
-          <p:nvPr/>
+              <a:rPr lang="en-US" sz="2400" dirty="0"/>
+              <a:t>Protein search using Hidden Markov Models (HMMs)</a:t>
+            </a:r>
+          </a:p>
+        </p:txBody>
+      </p:sp>
+      <p:sp>
+        <p:nvSpPr>
+          <p:cNvPr id="2" name="Content Placeholder 1"/>
+          <p:cNvSpPr>
+            <a:spLocks noGrp="1"/>
+          </p:cNvSpPr>
+          <p:nvPr>
+            <p:ph sz="half" idx="4294967295"/>
+          </p:nvPr>
         </p:nvSpPr>
         <p:spPr>
           <a:xfrm>
-            <a:off x="226533" y="2366800"/>
-            <a:ext cx="1605924" cy="730466"/>
-          </a:xfrm>
-          <a:prstGeom prst="roundRect">
-            <a:avLst/>
-          </a:prstGeom>
-        </p:spPr>
-        <p:style>
-          <a:lnRef idx="2">
-            <a:schemeClr val="accent1">
-              <a:shade val="50000"/>
-            </a:schemeClr>
-          </a:lnRef>
-          <a:fillRef idx="1">
-            <a:schemeClr val="accent1"/>
-          </a:fillRef>
-          <a:effectRef idx="0">
-            <a:schemeClr val="accent1"/>
-          </a:effectRef>
-          <a:fontRef idx="minor">
-            <a:schemeClr val="lt1"/>
-          </a:fontRef>
-        </p:style>
-        <p:txBody>
-          <a:bodyPr rtlCol="0" anchor="ctr"/>
-          <a:lstStyle/>
-          <a:p>
-            <a:pPr algn="ctr"/>
-            <a:r>
-              <a:rPr lang="es-PE" dirty="0" err="1"/>
-              <a:t>Amplicones</a:t>
-            </a:r>
-            <a:endParaRPr lang="es-PE" dirty="0"/>
-          </a:p>
-          <a:p>
-            <a:pPr algn="ctr"/>
-            <a:r>
-              <a:rPr lang="es-PE" dirty="0"/>
-              <a:t>(Comunidad)</a:t>
-            </a:r>
-          </a:p>
-        </p:txBody>
-      </p:sp>
-      <p:sp>
-        <p:nvSpPr>
-          <p:cNvPr id="16" name="Rectangle: Rounded Corners 15">
-            <a:extLst>
-              <a:ext uri="{FF2B5EF4-FFF2-40B4-BE49-F238E27FC236}">
-                <a16:creationId xmlns:a16="http://schemas.microsoft.com/office/drawing/2014/main" id="{8E6F0AED-1F3D-40D0-9508-F4D0933F1522}"/>
-              </a:ext>
-            </a:extLst>
-          </p:cNvPr>
-          <p:cNvSpPr/>
-          <p:nvPr/>
-        </p:nvSpPr>
-        <p:spPr>
-          <a:xfrm>
-            <a:off x="2594750" y="3343268"/>
-            <a:ext cx="1124606" cy="551793"/>
-          </a:xfrm>
-          <a:prstGeom prst="roundRect">
-            <a:avLst/>
-          </a:prstGeom>
-        </p:spPr>
-        <p:style>
-          <a:lnRef idx="2">
-            <a:schemeClr val="dk1"/>
-          </a:lnRef>
-          <a:fillRef idx="1">
-            <a:schemeClr val="lt1"/>
-          </a:fillRef>
-          <a:effectRef idx="0">
-            <a:schemeClr val="dk1"/>
-          </a:effectRef>
-          <a:fontRef idx="minor">
-            <a:schemeClr val="dk1"/>
-          </a:fontRef>
-        </p:style>
-        <p:txBody>
-          <a:bodyPr rtlCol="0" anchor="ctr"/>
-          <a:lstStyle/>
-          <a:p>
-            <a:pPr algn="ctr"/>
-            <a:r>
-              <a:rPr lang="es-PE" dirty="0"/>
-              <a:t>Proteína</a:t>
-            </a:r>
-          </a:p>
-        </p:txBody>
-      </p:sp>
-      <p:sp>
-        <p:nvSpPr>
-          <p:cNvPr id="17" name="Rectangle: Rounded Corners 16">
-            <a:extLst>
-              <a:ext uri="{FF2B5EF4-FFF2-40B4-BE49-F238E27FC236}">
-                <a16:creationId xmlns:a16="http://schemas.microsoft.com/office/drawing/2014/main" id="{E8185E3A-FC30-4F20-B9BF-E091A968914A}"/>
-              </a:ext>
-            </a:extLst>
-          </p:cNvPr>
-          <p:cNvSpPr/>
-          <p:nvPr/>
-        </p:nvSpPr>
-        <p:spPr>
-          <a:xfrm>
-            <a:off x="226559" y="3243101"/>
-            <a:ext cx="1605924" cy="794840"/>
-          </a:xfrm>
-          <a:prstGeom prst="roundRect">
-            <a:avLst/>
-          </a:prstGeom>
-        </p:spPr>
-        <p:style>
-          <a:lnRef idx="2">
-            <a:schemeClr val="accent1">
-              <a:shade val="50000"/>
-            </a:schemeClr>
-          </a:lnRef>
-          <a:fillRef idx="1">
-            <a:schemeClr val="accent1"/>
-          </a:fillRef>
-          <a:effectRef idx="0">
-            <a:schemeClr val="accent1"/>
-          </a:effectRef>
-          <a:fontRef idx="minor">
-            <a:schemeClr val="lt1"/>
-          </a:fontRef>
-        </p:style>
-        <p:txBody>
-          <a:bodyPr rtlCol="0" anchor="ctr"/>
-          <a:lstStyle/>
-          <a:p>
-            <a:pPr algn="ctr"/>
-            <a:r>
-              <a:rPr lang="es-PE" dirty="0"/>
-              <a:t>ADN</a:t>
-            </a:r>
-          </a:p>
-          <a:p>
-            <a:pPr algn="ctr"/>
-            <a:r>
-              <a:rPr lang="es-PE" dirty="0"/>
-              <a:t>Genómico</a:t>
-            </a:r>
-          </a:p>
-          <a:p>
-            <a:pPr algn="ctr"/>
-            <a:r>
-              <a:rPr lang="es-PE" dirty="0"/>
-              <a:t>(Organismo)</a:t>
-            </a:r>
-          </a:p>
-        </p:txBody>
-      </p:sp>
-      <p:sp>
-        <p:nvSpPr>
-          <p:cNvPr id="18" name="Rectangle: Rounded Corners 17">
-            <a:extLst>
-              <a:ext uri="{FF2B5EF4-FFF2-40B4-BE49-F238E27FC236}">
-                <a16:creationId xmlns:a16="http://schemas.microsoft.com/office/drawing/2014/main" id="{27191F32-595F-4415-8F78-8CFCC05566F6}"/>
-              </a:ext>
-            </a:extLst>
-          </p:cNvPr>
-          <p:cNvSpPr/>
-          <p:nvPr/>
-        </p:nvSpPr>
-        <p:spPr>
-          <a:xfrm>
-            <a:off x="4016792" y="3343268"/>
-            <a:ext cx="1576817" cy="551793"/>
-          </a:xfrm>
-          <a:prstGeom prst="roundRect">
-            <a:avLst/>
-          </a:prstGeom>
-        </p:spPr>
-        <p:style>
-          <a:lnRef idx="2">
-            <a:schemeClr val="accent2"/>
-          </a:lnRef>
-          <a:fillRef idx="1">
-            <a:schemeClr val="lt1"/>
-          </a:fillRef>
-          <a:effectRef idx="0">
-            <a:schemeClr val="accent2"/>
-          </a:effectRef>
-          <a:fontRef idx="minor">
-            <a:schemeClr val="dk1"/>
-          </a:fontRef>
-        </p:style>
-        <p:txBody>
-          <a:bodyPr rtlCol="0" anchor="ctr"/>
-          <a:lstStyle/>
-          <a:p>
-            <a:pPr algn="ctr"/>
-            <a:r>
-              <a:rPr lang="es-PE" dirty="0"/>
-              <a:t>Alineamiento</a:t>
-            </a:r>
-          </a:p>
-        </p:txBody>
-      </p:sp>
-      <p:sp>
-        <p:nvSpPr>
-          <p:cNvPr id="19" name="Rectangle: Rounded Corners 18">
-            <a:extLst>
-              <a:ext uri="{FF2B5EF4-FFF2-40B4-BE49-F238E27FC236}">
-                <a16:creationId xmlns:a16="http://schemas.microsoft.com/office/drawing/2014/main" id="{AEEE085D-D830-461E-82D2-2C15BE5AC42B}"/>
-              </a:ext>
-            </a:extLst>
-          </p:cNvPr>
-          <p:cNvSpPr/>
-          <p:nvPr/>
-        </p:nvSpPr>
-        <p:spPr>
-          <a:xfrm>
-            <a:off x="5903665" y="3362815"/>
-            <a:ext cx="1555530" cy="551793"/>
-          </a:xfrm>
-          <a:prstGeom prst="roundRect">
-            <a:avLst/>
-          </a:prstGeom>
-        </p:spPr>
-        <p:style>
-          <a:lnRef idx="2">
-            <a:schemeClr val="accent2">
-              <a:shade val="50000"/>
-            </a:schemeClr>
-          </a:lnRef>
-          <a:fillRef idx="1">
-            <a:schemeClr val="accent2"/>
-          </a:fillRef>
-          <a:effectRef idx="0">
-            <a:schemeClr val="accent2"/>
-          </a:effectRef>
-          <a:fontRef idx="minor">
-            <a:schemeClr val="lt1"/>
-          </a:fontRef>
-        </p:style>
-        <p:txBody>
-          <a:bodyPr rtlCol="0" anchor="ctr"/>
-          <a:lstStyle/>
-          <a:p>
-            <a:pPr algn="ctr"/>
-            <a:r>
-              <a:rPr lang="es-PE" dirty="0" err="1"/>
-              <a:t>OTUs</a:t>
-            </a:r>
-            <a:endParaRPr lang="es-PE" dirty="0"/>
-          </a:p>
-        </p:txBody>
-      </p:sp>
-      <p:sp>
-        <p:nvSpPr>
-          <p:cNvPr id="20" name="Rectangle: Rounded Corners 19">
-            <a:extLst>
-              <a:ext uri="{FF2B5EF4-FFF2-40B4-BE49-F238E27FC236}">
-                <a16:creationId xmlns:a16="http://schemas.microsoft.com/office/drawing/2014/main" id="{0A237215-D0AE-4AC8-B44F-3DD42F85334F}"/>
-              </a:ext>
-            </a:extLst>
-          </p:cNvPr>
-          <p:cNvSpPr/>
-          <p:nvPr/>
-        </p:nvSpPr>
-        <p:spPr>
-          <a:xfrm>
-            <a:off x="4626657" y="5195503"/>
-            <a:ext cx="1933903" cy="622750"/>
-          </a:xfrm>
-          <a:prstGeom prst="roundRect">
-            <a:avLst/>
-          </a:prstGeom>
-        </p:spPr>
-        <p:style>
-          <a:lnRef idx="2">
-            <a:schemeClr val="accent1">
-              <a:shade val="50000"/>
-            </a:schemeClr>
-          </a:lnRef>
-          <a:fillRef idx="1">
-            <a:schemeClr val="accent1"/>
-          </a:fillRef>
-          <a:effectRef idx="0">
-            <a:schemeClr val="accent1"/>
-          </a:effectRef>
-          <a:fontRef idx="minor">
-            <a:schemeClr val="lt1"/>
-          </a:fontRef>
-        </p:style>
-        <p:txBody>
-          <a:bodyPr rtlCol="0" anchor="ctr"/>
-          <a:lstStyle/>
-          <a:p>
-            <a:pPr algn="ctr"/>
-            <a:r>
-              <a:rPr lang="es-PE" dirty="0"/>
-              <a:t>Diversidad alfa</a:t>
-            </a:r>
-          </a:p>
-        </p:txBody>
-      </p:sp>
-      <p:sp>
-        <p:nvSpPr>
-          <p:cNvPr id="22" name="Rectangle: Rounded Corners 21">
-            <a:extLst>
-              <a:ext uri="{FF2B5EF4-FFF2-40B4-BE49-F238E27FC236}">
-                <a16:creationId xmlns:a16="http://schemas.microsoft.com/office/drawing/2014/main" id="{C1749886-8464-4483-83EA-CCF7AE16603D}"/>
-              </a:ext>
-            </a:extLst>
-          </p:cNvPr>
-          <p:cNvSpPr/>
-          <p:nvPr/>
-        </p:nvSpPr>
-        <p:spPr>
-          <a:xfrm>
-            <a:off x="9294172" y="3914725"/>
-            <a:ext cx="1933904" cy="551793"/>
-          </a:xfrm>
-          <a:prstGeom prst="roundRect">
-            <a:avLst/>
-          </a:prstGeom>
-        </p:spPr>
-        <p:style>
-          <a:lnRef idx="2">
-            <a:schemeClr val="accent5"/>
-          </a:lnRef>
-          <a:fillRef idx="1">
-            <a:schemeClr val="lt1"/>
-          </a:fillRef>
-          <a:effectRef idx="0">
-            <a:schemeClr val="accent5"/>
-          </a:effectRef>
-          <a:fontRef idx="minor">
-            <a:schemeClr val="dk1"/>
-          </a:fontRef>
-        </p:style>
-        <p:txBody>
-          <a:bodyPr rtlCol="0" anchor="ctr"/>
-          <a:lstStyle/>
-          <a:p>
-            <a:pPr algn="ctr"/>
-            <a:r>
-              <a:rPr lang="es-PE" dirty="0"/>
-              <a:t>Conservación taxonómica</a:t>
-            </a:r>
-          </a:p>
-        </p:txBody>
-      </p:sp>
-      <p:sp>
-        <p:nvSpPr>
-          <p:cNvPr id="23" name="Rectangle: Rounded Corners 22">
-            <a:extLst>
-              <a:ext uri="{FF2B5EF4-FFF2-40B4-BE49-F238E27FC236}">
-                <a16:creationId xmlns:a16="http://schemas.microsoft.com/office/drawing/2014/main" id="{D469AD23-D371-4C7A-96C5-AB814471B353}"/>
-              </a:ext>
-            </a:extLst>
-          </p:cNvPr>
-          <p:cNvSpPr/>
-          <p:nvPr/>
-        </p:nvSpPr>
-        <p:spPr>
-          <a:xfrm>
-            <a:off x="9289312" y="3206074"/>
-            <a:ext cx="1968609" cy="551793"/>
-          </a:xfrm>
-          <a:prstGeom prst="roundRect">
-            <a:avLst/>
-          </a:prstGeom>
-        </p:spPr>
-        <p:style>
-          <a:lnRef idx="2">
-            <a:schemeClr val="accent6"/>
-          </a:lnRef>
-          <a:fillRef idx="1">
-            <a:schemeClr val="lt1"/>
-          </a:fillRef>
-          <a:effectRef idx="0">
-            <a:schemeClr val="accent6"/>
-          </a:effectRef>
-          <a:fontRef idx="minor">
-            <a:schemeClr val="dk1"/>
-          </a:fontRef>
-        </p:style>
-        <p:txBody>
-          <a:bodyPr rtlCol="0" anchor="ctr"/>
-          <a:lstStyle/>
-          <a:p>
-            <a:pPr algn="ctr"/>
-            <a:r>
-              <a:rPr lang="es-PE" dirty="0"/>
-              <a:t>Distribución espacial</a:t>
-            </a:r>
-          </a:p>
-        </p:txBody>
-      </p:sp>
-      <p:sp>
-        <p:nvSpPr>
-          <p:cNvPr id="24" name="Rectangle: Rounded Corners 23">
-            <a:extLst>
-              <a:ext uri="{FF2B5EF4-FFF2-40B4-BE49-F238E27FC236}">
-                <a16:creationId xmlns:a16="http://schemas.microsoft.com/office/drawing/2014/main" id="{09C18B87-BD95-4D6E-9615-722C26C0C055}"/>
-              </a:ext>
-            </a:extLst>
-          </p:cNvPr>
-          <p:cNvSpPr/>
-          <p:nvPr/>
-        </p:nvSpPr>
-        <p:spPr>
-          <a:xfrm>
-            <a:off x="212874" y="4203485"/>
-            <a:ext cx="1619583" cy="780388"/>
-          </a:xfrm>
-          <a:prstGeom prst="roundRect">
-            <a:avLst/>
-          </a:prstGeom>
-        </p:spPr>
-        <p:style>
-          <a:lnRef idx="2">
-            <a:schemeClr val="accent1">
-              <a:shade val="50000"/>
-            </a:schemeClr>
-          </a:lnRef>
-          <a:fillRef idx="1">
-            <a:schemeClr val="accent1"/>
-          </a:fillRef>
-          <a:effectRef idx="0">
-            <a:schemeClr val="accent1"/>
-          </a:effectRef>
-          <a:fontRef idx="minor">
-            <a:schemeClr val="lt1"/>
-          </a:fontRef>
-        </p:style>
-        <p:txBody>
-          <a:bodyPr rtlCol="0" anchor="ctr"/>
-          <a:lstStyle/>
-          <a:p>
-            <a:pPr algn="ctr"/>
-            <a:r>
-              <a:rPr lang="es-PE" dirty="0"/>
-              <a:t>ADN</a:t>
-            </a:r>
-          </a:p>
-          <a:p>
-            <a:pPr algn="ctr"/>
-            <a:r>
-              <a:rPr lang="es-PE" dirty="0"/>
-              <a:t>Genómico (Comunidad)</a:t>
-            </a:r>
-          </a:p>
-        </p:txBody>
-      </p:sp>
-      <p:sp>
-        <p:nvSpPr>
-          <p:cNvPr id="27" name="Oval 26">
-            <a:extLst>
-              <a:ext uri="{FF2B5EF4-FFF2-40B4-BE49-F238E27FC236}">
-                <a16:creationId xmlns:a16="http://schemas.microsoft.com/office/drawing/2014/main" id="{336707D5-1E5F-45ED-947E-F07FE06E7320}"/>
-              </a:ext>
-            </a:extLst>
-          </p:cNvPr>
-          <p:cNvSpPr/>
-          <p:nvPr/>
-        </p:nvSpPr>
-        <p:spPr>
-          <a:xfrm>
-            <a:off x="8048816" y="1757195"/>
-            <a:ext cx="1034228" cy="1003408"/>
-          </a:xfrm>
-          <a:prstGeom prst="ellipse">
-            <a:avLst/>
-          </a:prstGeom>
-        </p:spPr>
-        <p:style>
-          <a:lnRef idx="1">
-            <a:schemeClr val="dk1"/>
-          </a:lnRef>
-          <a:fillRef idx="2">
-            <a:schemeClr val="dk1"/>
-          </a:fillRef>
-          <a:effectRef idx="1">
-            <a:schemeClr val="dk1"/>
-          </a:effectRef>
-          <a:fontRef idx="minor">
-            <a:schemeClr val="dk1"/>
-          </a:fontRef>
-        </p:style>
-        <p:txBody>
-          <a:bodyPr rtlCol="0" anchor="ctr"/>
-          <a:lstStyle/>
-          <a:p>
-            <a:pPr algn="ctr"/>
-            <a:r>
-              <a:rPr lang="es-PE" dirty="0"/>
-              <a:t>Bases de datos</a:t>
-            </a:r>
-          </a:p>
-        </p:txBody>
-      </p:sp>
-      <p:sp>
-        <p:nvSpPr>
-          <p:cNvPr id="28" name="Rectangle: Rounded Corners 27">
-            <a:extLst>
-              <a:ext uri="{FF2B5EF4-FFF2-40B4-BE49-F238E27FC236}">
-                <a16:creationId xmlns:a16="http://schemas.microsoft.com/office/drawing/2014/main" id="{148F76C4-FE0D-400D-AF16-7750CD6B9855}"/>
-              </a:ext>
-            </a:extLst>
-          </p:cNvPr>
-          <p:cNvSpPr/>
-          <p:nvPr/>
-        </p:nvSpPr>
-        <p:spPr>
-          <a:xfrm>
-            <a:off x="9286447" y="1078256"/>
-            <a:ext cx="1933900" cy="551793"/>
-          </a:xfrm>
-          <a:prstGeom prst="roundRect">
-            <a:avLst/>
-          </a:prstGeom>
-        </p:spPr>
-        <p:style>
-          <a:lnRef idx="2">
-            <a:schemeClr val="accent6"/>
-          </a:lnRef>
-          <a:fillRef idx="1">
-            <a:schemeClr val="lt1"/>
-          </a:fillRef>
-          <a:effectRef idx="0">
-            <a:schemeClr val="accent6"/>
-          </a:effectRef>
-          <a:fontRef idx="minor">
-            <a:schemeClr val="dk1"/>
-          </a:fontRef>
-        </p:style>
-        <p:txBody>
-          <a:bodyPr rtlCol="0" anchor="ctr"/>
-          <a:lstStyle/>
-          <a:p>
-            <a:pPr algn="ctr"/>
-            <a:r>
-              <a:rPr lang="es-PE" dirty="0"/>
-              <a:t>Novedad</a:t>
-            </a:r>
-          </a:p>
-        </p:txBody>
-      </p:sp>
-      <p:sp>
-        <p:nvSpPr>
-          <p:cNvPr id="29" name="Rectangle: Rounded Corners 28">
-            <a:extLst>
-              <a:ext uri="{FF2B5EF4-FFF2-40B4-BE49-F238E27FC236}">
-                <a16:creationId xmlns:a16="http://schemas.microsoft.com/office/drawing/2014/main" id="{FE2B7507-2184-48EF-9908-B6F8C21A0C99}"/>
-              </a:ext>
-            </a:extLst>
-          </p:cNvPr>
-          <p:cNvSpPr/>
-          <p:nvPr/>
-        </p:nvSpPr>
-        <p:spPr>
-          <a:xfrm>
-            <a:off x="9282604" y="2505523"/>
-            <a:ext cx="1957041" cy="551793"/>
-          </a:xfrm>
-          <a:prstGeom prst="roundRect">
-            <a:avLst/>
-          </a:prstGeom>
-        </p:spPr>
-        <p:style>
-          <a:lnRef idx="2">
-            <a:schemeClr val="accent6"/>
-          </a:lnRef>
-          <a:fillRef idx="1">
-            <a:schemeClr val="lt1"/>
-          </a:fillRef>
-          <a:effectRef idx="0">
-            <a:schemeClr val="accent6"/>
-          </a:effectRef>
-          <a:fontRef idx="minor">
-            <a:schemeClr val="dk1"/>
-          </a:fontRef>
-        </p:style>
-        <p:txBody>
-          <a:bodyPr rtlCol="0" anchor="ctr"/>
-          <a:lstStyle/>
-          <a:p>
-            <a:pPr algn="ctr"/>
-            <a:r>
-              <a:rPr lang="es-PE" dirty="0"/>
-              <a:t>Metadatos parientes</a:t>
-            </a:r>
-          </a:p>
-        </p:txBody>
-      </p:sp>
-      <p:sp>
-        <p:nvSpPr>
-          <p:cNvPr id="30" name="Rectangle: Rounded Corners 29">
-            <a:extLst>
-              <a:ext uri="{FF2B5EF4-FFF2-40B4-BE49-F238E27FC236}">
-                <a16:creationId xmlns:a16="http://schemas.microsoft.com/office/drawing/2014/main" id="{7D8EF7E5-2D28-406F-90ED-FAC5E7E833DA}"/>
-              </a:ext>
-            </a:extLst>
-          </p:cNvPr>
-          <p:cNvSpPr/>
-          <p:nvPr/>
-        </p:nvSpPr>
-        <p:spPr>
-          <a:xfrm>
-            <a:off x="9306666" y="1799521"/>
-            <a:ext cx="1933902" cy="551793"/>
-          </a:xfrm>
-          <a:prstGeom prst="roundRect">
-            <a:avLst/>
-          </a:prstGeom>
-        </p:spPr>
-        <p:style>
-          <a:lnRef idx="2">
-            <a:schemeClr val="accent6"/>
-          </a:lnRef>
-          <a:fillRef idx="1">
-            <a:schemeClr val="lt1"/>
-          </a:fillRef>
-          <a:effectRef idx="0">
-            <a:schemeClr val="accent6"/>
-          </a:effectRef>
-          <a:fontRef idx="minor">
-            <a:schemeClr val="dk1"/>
-          </a:fontRef>
-        </p:style>
-        <p:txBody>
-          <a:bodyPr rtlCol="0" anchor="ctr"/>
-          <a:lstStyle/>
-          <a:p>
-            <a:pPr algn="ctr"/>
-            <a:r>
-              <a:rPr lang="es-PE" dirty="0"/>
-              <a:t>Taxonomía</a:t>
-            </a:r>
-          </a:p>
-        </p:txBody>
-      </p:sp>
-      <p:sp>
-        <p:nvSpPr>
-          <p:cNvPr id="31" name="Rectangle: Rounded Corners 30">
-            <a:extLst>
-              <a:ext uri="{FF2B5EF4-FFF2-40B4-BE49-F238E27FC236}">
-                <a16:creationId xmlns:a16="http://schemas.microsoft.com/office/drawing/2014/main" id="{DBE5D0EF-8147-4C39-853B-0182C029BF32}"/>
-              </a:ext>
-            </a:extLst>
-          </p:cNvPr>
-          <p:cNvSpPr/>
-          <p:nvPr/>
-        </p:nvSpPr>
-        <p:spPr>
-          <a:xfrm>
-            <a:off x="6849761" y="5230981"/>
-            <a:ext cx="1933904" cy="551794"/>
-          </a:xfrm>
-          <a:prstGeom prst="roundRect">
-            <a:avLst/>
-          </a:prstGeom>
-        </p:spPr>
-        <p:style>
-          <a:lnRef idx="2">
-            <a:schemeClr val="accent1">
-              <a:shade val="50000"/>
-            </a:schemeClr>
-          </a:lnRef>
-          <a:fillRef idx="1">
-            <a:schemeClr val="accent1"/>
-          </a:fillRef>
-          <a:effectRef idx="0">
-            <a:schemeClr val="accent1"/>
-          </a:effectRef>
-          <a:fontRef idx="minor">
-            <a:schemeClr val="lt1"/>
-          </a:fontRef>
-        </p:style>
-        <p:txBody>
-          <a:bodyPr rtlCol="0" anchor="ctr"/>
-          <a:lstStyle/>
-          <a:p>
-            <a:pPr algn="ctr"/>
-            <a:r>
-              <a:rPr lang="es-PE" dirty="0"/>
-              <a:t>Diversidad beta</a:t>
-            </a:r>
-          </a:p>
-        </p:txBody>
-      </p:sp>
-      <p:sp>
-        <p:nvSpPr>
-          <p:cNvPr id="3" name="Arrow: Right 2">
-            <a:extLst>
-              <a:ext uri="{FF2B5EF4-FFF2-40B4-BE49-F238E27FC236}">
-                <a16:creationId xmlns:a16="http://schemas.microsoft.com/office/drawing/2014/main" id="{1CC104C1-8FBC-45BD-966A-916983D85425}"/>
-              </a:ext>
-            </a:extLst>
-          </p:cNvPr>
-          <p:cNvSpPr/>
-          <p:nvPr/>
-        </p:nvSpPr>
-        <p:spPr>
-          <a:xfrm rot="19939254">
-            <a:off x="6971071" y="2760603"/>
-            <a:ext cx="1034228" cy="336663"/>
-          </a:xfrm>
-          <a:prstGeom prst="rightArrow">
-            <a:avLst/>
-          </a:prstGeom>
-        </p:spPr>
-        <p:style>
-          <a:lnRef idx="2">
-            <a:schemeClr val="dk1">
-              <a:shade val="50000"/>
-            </a:schemeClr>
-          </a:lnRef>
-          <a:fillRef idx="1">
-            <a:schemeClr val="dk1"/>
-          </a:fillRef>
-          <a:effectRef idx="0">
-            <a:schemeClr val="dk1"/>
-          </a:effectRef>
-          <a:fontRef idx="minor">
-            <a:schemeClr val="lt1"/>
-          </a:fontRef>
-        </p:style>
-        <p:txBody>
-          <a:bodyPr rtlCol="0" anchor="ctr"/>
-          <a:lstStyle/>
-          <a:p>
-            <a:pPr algn="ctr"/>
-            <a:endParaRPr lang="es-PE"/>
-          </a:p>
-        </p:txBody>
-      </p:sp>
-      <p:sp>
-        <p:nvSpPr>
-          <p:cNvPr id="21" name="Arrow: Right 20">
-            <a:extLst>
-              <a:ext uri="{FF2B5EF4-FFF2-40B4-BE49-F238E27FC236}">
-                <a16:creationId xmlns:a16="http://schemas.microsoft.com/office/drawing/2014/main" id="{1EB753D1-6B86-49D7-A56F-ADC702F48D34}"/>
-              </a:ext>
-            </a:extLst>
-          </p:cNvPr>
-          <p:cNvSpPr/>
-          <p:nvPr/>
-        </p:nvSpPr>
-        <p:spPr>
-          <a:xfrm rot="5400000">
-            <a:off x="6164315" y="4386724"/>
-            <a:ext cx="1034228" cy="336663"/>
-          </a:xfrm>
-          <a:prstGeom prst="rightArrow">
-            <a:avLst/>
-          </a:prstGeom>
-        </p:spPr>
-        <p:style>
-          <a:lnRef idx="2">
-            <a:schemeClr val="dk1">
-              <a:shade val="50000"/>
-            </a:schemeClr>
-          </a:lnRef>
-          <a:fillRef idx="1">
-            <a:schemeClr val="dk1"/>
-          </a:fillRef>
-          <a:effectRef idx="0">
-            <a:schemeClr val="dk1"/>
-          </a:effectRef>
-          <a:fontRef idx="minor">
-            <a:schemeClr val="lt1"/>
-          </a:fontRef>
-        </p:style>
-        <p:txBody>
-          <a:bodyPr rtlCol="0" anchor="ctr"/>
-          <a:lstStyle/>
-          <a:p>
-            <a:pPr algn="ctr"/>
-            <a:endParaRPr lang="es-PE"/>
-          </a:p>
-        </p:txBody>
-      </p:sp>
-      <p:sp>
-        <p:nvSpPr>
-          <p:cNvPr id="26" name="Arrow: Right 25">
-            <a:extLst>
-              <a:ext uri="{FF2B5EF4-FFF2-40B4-BE49-F238E27FC236}">
-                <a16:creationId xmlns:a16="http://schemas.microsoft.com/office/drawing/2014/main" id="{56DC667B-F6DC-4F4C-90EE-9654CBFEB710}"/>
-              </a:ext>
-            </a:extLst>
-          </p:cNvPr>
-          <p:cNvSpPr/>
-          <p:nvPr/>
-        </p:nvSpPr>
-        <p:spPr>
-          <a:xfrm>
-            <a:off x="2045568" y="3471732"/>
-            <a:ext cx="341905" cy="234516"/>
-          </a:xfrm>
-          <a:prstGeom prst="rightArrow">
-            <a:avLst/>
-          </a:prstGeom>
-        </p:spPr>
-        <p:style>
-          <a:lnRef idx="2">
-            <a:schemeClr val="dk1">
-              <a:shade val="50000"/>
-            </a:schemeClr>
-          </a:lnRef>
-          <a:fillRef idx="1">
-            <a:schemeClr val="dk1"/>
-          </a:fillRef>
-          <a:effectRef idx="0">
-            <a:schemeClr val="dk1"/>
-          </a:effectRef>
-          <a:fontRef idx="minor">
-            <a:schemeClr val="lt1"/>
-          </a:fontRef>
-        </p:style>
-        <p:txBody>
-          <a:bodyPr rtlCol="0" anchor="ctr"/>
-          <a:lstStyle/>
-          <a:p>
-            <a:pPr algn="ctr"/>
-            <a:endParaRPr lang="es-PE"/>
-          </a:p>
-        </p:txBody>
-      </p:sp>
-      <p:sp>
-        <p:nvSpPr>
-          <p:cNvPr id="32" name="Arrow: Right 31">
-            <a:extLst>
-              <a:ext uri="{FF2B5EF4-FFF2-40B4-BE49-F238E27FC236}">
-                <a16:creationId xmlns:a16="http://schemas.microsoft.com/office/drawing/2014/main" id="{CDA5B4AE-0AE8-4BA9-B2C1-FF32022785CC}"/>
-              </a:ext>
-            </a:extLst>
-          </p:cNvPr>
-          <p:cNvSpPr/>
-          <p:nvPr/>
-        </p:nvSpPr>
-        <p:spPr>
-          <a:xfrm>
-            <a:off x="3761489" y="3524244"/>
-            <a:ext cx="341905" cy="234516"/>
-          </a:xfrm>
-          <a:prstGeom prst="rightArrow">
-            <a:avLst/>
-          </a:prstGeom>
-        </p:spPr>
-        <p:style>
-          <a:lnRef idx="2">
-            <a:schemeClr val="dk1">
-              <a:shade val="50000"/>
-            </a:schemeClr>
-          </a:lnRef>
-          <a:fillRef idx="1">
-            <a:schemeClr val="dk1"/>
-          </a:fillRef>
-          <a:effectRef idx="0">
-            <a:schemeClr val="dk1"/>
-          </a:effectRef>
-          <a:fontRef idx="minor">
-            <a:schemeClr val="lt1"/>
-          </a:fontRef>
-        </p:style>
-        <p:txBody>
-          <a:bodyPr rtlCol="0" anchor="ctr"/>
-          <a:lstStyle/>
-          <a:p>
-            <a:pPr algn="ctr"/>
-            <a:endParaRPr lang="es-PE"/>
-          </a:p>
-        </p:txBody>
-      </p:sp>
-      <p:sp>
-        <p:nvSpPr>
-          <p:cNvPr id="33" name="Arrow: Right 32">
-            <a:extLst>
-              <a:ext uri="{FF2B5EF4-FFF2-40B4-BE49-F238E27FC236}">
-                <a16:creationId xmlns:a16="http://schemas.microsoft.com/office/drawing/2014/main" id="{B3848CF4-FC35-4125-9A73-D931E1F0E5F9}"/>
-              </a:ext>
-            </a:extLst>
-          </p:cNvPr>
-          <p:cNvSpPr/>
-          <p:nvPr/>
-        </p:nvSpPr>
-        <p:spPr>
-          <a:xfrm>
-            <a:off x="5602557" y="3525020"/>
-            <a:ext cx="341905" cy="234516"/>
-          </a:xfrm>
-          <a:prstGeom prst="rightArrow">
-            <a:avLst/>
-          </a:prstGeom>
-        </p:spPr>
-        <p:style>
-          <a:lnRef idx="2">
-            <a:schemeClr val="dk1">
-              <a:shade val="50000"/>
-            </a:schemeClr>
-          </a:lnRef>
-          <a:fillRef idx="1">
-            <a:schemeClr val="dk1"/>
-          </a:fillRef>
-          <a:effectRef idx="0">
-            <a:schemeClr val="dk1"/>
-          </a:effectRef>
-          <a:fontRef idx="minor">
-            <a:schemeClr val="lt1"/>
-          </a:fontRef>
-        </p:style>
-        <p:txBody>
-          <a:bodyPr rtlCol="0" anchor="ctr"/>
-          <a:lstStyle/>
-          <a:p>
-            <a:pPr algn="ctr"/>
-            <a:endParaRPr lang="es-PE"/>
-          </a:p>
-        </p:txBody>
-      </p:sp>
-      <p:sp>
-        <p:nvSpPr>
-          <p:cNvPr id="4" name="TextBox 3">
-            <a:extLst>
-              <a:ext uri="{FF2B5EF4-FFF2-40B4-BE49-F238E27FC236}">
-                <a16:creationId xmlns:a16="http://schemas.microsoft.com/office/drawing/2014/main" id="{8623BE08-C2DD-4811-A7F8-988DF0887CBE}"/>
-              </a:ext>
-            </a:extLst>
-          </p:cNvPr>
-          <p:cNvSpPr txBox="1"/>
-          <p:nvPr/>
-        </p:nvSpPr>
-        <p:spPr>
-          <a:xfrm>
-            <a:off x="3395081" y="1842229"/>
-            <a:ext cx="3038168" cy="369332"/>
+            <a:off x="855407" y="1433052"/>
+            <a:ext cx="5384800" cy="4525963"/>
           </a:xfrm>
           <a:prstGeom prst="rect">
             <a:avLst/>
           </a:prstGeom>
-          <a:noFill/>
         </p:spPr>
         <p:txBody>
-          <a:bodyPr wrap="square" rtlCol="0">
-            <a:spAutoFit/>
+          <a:bodyPr>
+            <a:normAutofit/>
           </a:bodyPr>
           <a:lstStyle/>
           <a:p>
             <a:r>
-              <a:rPr lang="es-PE" dirty="0"/>
-              <a:t>MOTHUR  + HMM + R</a:t>
-            </a:r>
-          </a:p>
-        </p:txBody>
-      </p:sp>
-      <p:sp>
-        <p:nvSpPr>
-          <p:cNvPr id="5" name="Oval 4">
-            <a:extLst>
-              <a:ext uri="{FF2B5EF4-FFF2-40B4-BE49-F238E27FC236}">
-                <a16:creationId xmlns:a16="http://schemas.microsoft.com/office/drawing/2014/main" id="{5172128A-FA8B-4074-9171-1EFDBDBE9116}"/>
-              </a:ext>
-            </a:extLst>
-          </p:cNvPr>
-          <p:cNvSpPr/>
-          <p:nvPr/>
+              <a:rPr lang="en-US" dirty="0"/>
+              <a:t>Bayesian statistics</a:t>
+            </a:r>
+          </a:p>
+          <a:p>
+            <a:r>
+              <a:rPr lang="en-US" dirty="0"/>
+              <a:t>Markov chain</a:t>
+            </a:r>
+          </a:p>
+          <a:p>
+            <a:pPr lvl="1"/>
+            <a:r>
+              <a:rPr lang="en-US" dirty="0"/>
+              <a:t>Probabilistic models that describe a variable that changes over time</a:t>
+            </a:r>
+          </a:p>
+        </p:txBody>
+      </p:sp>
+      <p:sp>
+        <p:nvSpPr>
+          <p:cNvPr id="3" name="Content Placeholder 2"/>
+          <p:cNvSpPr>
+            <a:spLocks noGrp="1"/>
+          </p:cNvSpPr>
+          <p:nvPr>
+            <p:ph sz="half" idx="4294967295"/>
+          </p:nvPr>
         </p:nvSpPr>
         <p:spPr>
-          <a:xfrm rot="1009236">
-            <a:off x="-170865" y="1081833"/>
-            <a:ext cx="9369555" cy="6210346"/>
+          <a:xfrm>
+            <a:off x="5951793" y="1433051"/>
+            <a:ext cx="5384800" cy="4525963"/>
           </a:xfrm>
-          <a:prstGeom prst="ellipse">
+          <a:prstGeom prst="rect">
             <a:avLst/>
           </a:prstGeom>
-          <a:noFill/>
         </p:spPr>
-        <p:style>
-          <a:lnRef idx="2">
-            <a:schemeClr val="accent4"/>
-          </a:lnRef>
-          <a:fillRef idx="1">
-            <a:schemeClr val="lt1"/>
-          </a:fillRef>
-          <a:effectRef idx="0">
-            <a:schemeClr val="accent4"/>
-          </a:effectRef>
-          <a:fontRef idx="minor">
-            <a:schemeClr val="dk1"/>
-          </a:fontRef>
-        </p:style>
-        <p:txBody>
-          <a:bodyPr rtlCol="0" anchor="ctr"/>
-          <a:lstStyle/>
-          <a:p>
-            <a:pPr algn="ctr"/>
-            <a:endParaRPr lang="es-PE"/>
+        <p:txBody>
+          <a:bodyPr>
+            <a:normAutofit/>
+          </a:bodyPr>
+          <a:lstStyle/>
+          <a:p>
+            <a:pPr>
+              <a:buFont typeface="Wingdings" pitchFamily="2" charset="2"/>
+              <a:buChar char="ü"/>
+            </a:pPr>
+            <a:r>
+              <a:rPr lang="en-US" dirty="0"/>
+              <a:t>Fast</a:t>
+            </a:r>
+          </a:p>
+          <a:p>
+            <a:pPr>
+              <a:buFont typeface="Wingdings" pitchFamily="2" charset="2"/>
+              <a:buChar char="ü"/>
+            </a:pPr>
+            <a:r>
+              <a:rPr lang="en-US" dirty="0"/>
+              <a:t>More accurate than BLAST</a:t>
+            </a:r>
+          </a:p>
+          <a:p>
+            <a:pPr>
+              <a:buFont typeface="Wingdings" pitchFamily="2" charset="2"/>
+              <a:buChar char="ü"/>
+            </a:pPr>
+            <a:r>
+              <a:rPr lang="en-US" dirty="0"/>
+              <a:t>Once model is built it can be use for search and alignment</a:t>
+            </a:r>
+          </a:p>
+          <a:p>
+            <a:pPr>
+              <a:buFont typeface="Wingdings" pitchFamily="2" charset="2"/>
+              <a:buChar char="ü"/>
+            </a:pPr>
+            <a:r>
+              <a:rPr lang="en-US" dirty="0"/>
+              <a:t>Publically available HMM (</a:t>
+            </a:r>
+            <a:r>
+              <a:rPr lang="en-US" dirty="0" err="1"/>
+              <a:t>e.g</a:t>
+            </a:r>
+            <a:r>
+              <a:rPr lang="en-US" dirty="0"/>
+              <a:t> </a:t>
+            </a:r>
+            <a:r>
+              <a:rPr lang="en-US" dirty="0" err="1"/>
+              <a:t>Pfam</a:t>
+            </a:r>
+            <a:r>
+              <a:rPr lang="en-US" dirty="0"/>
+              <a:t>)</a:t>
+            </a:r>
+          </a:p>
+          <a:p>
+            <a:pPr>
+              <a:buFont typeface="Webdings" pitchFamily="18" charset="2"/>
+              <a:buChar char=""/>
+            </a:pPr>
+            <a:r>
+              <a:rPr lang="en-US" dirty="0"/>
+              <a:t>Results depend on quality of model</a:t>
+            </a:r>
+          </a:p>
+          <a:p>
+            <a:endParaRPr lang="en-US" dirty="0"/>
           </a:p>
         </p:txBody>
       </p:sp>
     </p:spTree>
     <p:extLst>
       <p:ext uri="{BB962C8B-B14F-4D97-AF65-F5344CB8AC3E}">
-        <p14:creationId xmlns:p14="http://schemas.microsoft.com/office/powerpoint/2010/main" val="1389518644"/>
+        <p14:creationId xmlns:p14="http://schemas.microsoft.com/office/powerpoint/2010/main" val="3703943280"/>
       </p:ext>
     </p:extLst>
   </p:cSld>
@@ -5787,6 +4918,1070 @@
           <a:p>
             <a:r>
               <a:rPr lang="es-PE" dirty="0"/>
+              <a:t>Plan de ataque</a:t>
+            </a:r>
+          </a:p>
+        </p:txBody>
+      </p:sp>
+      <p:sp>
+        <p:nvSpPr>
+          <p:cNvPr id="12" name="Rectangle: Rounded Corners 11">
+            <a:extLst>
+              <a:ext uri="{FF2B5EF4-FFF2-40B4-BE49-F238E27FC236}">
+                <a16:creationId xmlns:a16="http://schemas.microsoft.com/office/drawing/2014/main" id="{737AC7FE-2E60-4961-AB84-B7B9CBA69F81}"/>
+              </a:ext>
+            </a:extLst>
+          </p:cNvPr>
+          <p:cNvSpPr/>
+          <p:nvPr/>
+        </p:nvSpPr>
+        <p:spPr>
+          <a:xfrm>
+            <a:off x="226533" y="2366800"/>
+            <a:ext cx="1605924" cy="730466"/>
+          </a:xfrm>
+          <a:prstGeom prst="roundRect">
+            <a:avLst/>
+          </a:prstGeom>
+        </p:spPr>
+        <p:style>
+          <a:lnRef idx="2">
+            <a:schemeClr val="accent1">
+              <a:shade val="50000"/>
+            </a:schemeClr>
+          </a:lnRef>
+          <a:fillRef idx="1">
+            <a:schemeClr val="accent1"/>
+          </a:fillRef>
+          <a:effectRef idx="0">
+            <a:schemeClr val="accent1"/>
+          </a:effectRef>
+          <a:fontRef idx="minor">
+            <a:schemeClr val="lt1"/>
+          </a:fontRef>
+        </p:style>
+        <p:txBody>
+          <a:bodyPr rtlCol="0" anchor="ctr"/>
+          <a:lstStyle/>
+          <a:p>
+            <a:pPr algn="ctr"/>
+            <a:r>
+              <a:rPr lang="es-PE" dirty="0" err="1"/>
+              <a:t>Amplicones</a:t>
+            </a:r>
+            <a:endParaRPr lang="es-PE" dirty="0"/>
+          </a:p>
+          <a:p>
+            <a:pPr algn="ctr"/>
+            <a:r>
+              <a:rPr lang="es-PE" dirty="0"/>
+              <a:t>(Comunidad)</a:t>
+            </a:r>
+          </a:p>
+        </p:txBody>
+      </p:sp>
+      <p:sp>
+        <p:nvSpPr>
+          <p:cNvPr id="16" name="Rectangle: Rounded Corners 15">
+            <a:extLst>
+              <a:ext uri="{FF2B5EF4-FFF2-40B4-BE49-F238E27FC236}">
+                <a16:creationId xmlns:a16="http://schemas.microsoft.com/office/drawing/2014/main" id="{8E6F0AED-1F3D-40D0-9508-F4D0933F1522}"/>
+              </a:ext>
+            </a:extLst>
+          </p:cNvPr>
+          <p:cNvSpPr/>
+          <p:nvPr/>
+        </p:nvSpPr>
+        <p:spPr>
+          <a:xfrm>
+            <a:off x="2594750" y="3343268"/>
+            <a:ext cx="1124606" cy="551793"/>
+          </a:xfrm>
+          <a:prstGeom prst="roundRect">
+            <a:avLst/>
+          </a:prstGeom>
+        </p:spPr>
+        <p:style>
+          <a:lnRef idx="2">
+            <a:schemeClr val="dk1"/>
+          </a:lnRef>
+          <a:fillRef idx="1">
+            <a:schemeClr val="lt1"/>
+          </a:fillRef>
+          <a:effectRef idx="0">
+            <a:schemeClr val="dk1"/>
+          </a:effectRef>
+          <a:fontRef idx="minor">
+            <a:schemeClr val="dk1"/>
+          </a:fontRef>
+        </p:style>
+        <p:txBody>
+          <a:bodyPr rtlCol="0" anchor="ctr"/>
+          <a:lstStyle/>
+          <a:p>
+            <a:pPr algn="ctr"/>
+            <a:r>
+              <a:rPr lang="es-PE" dirty="0"/>
+              <a:t>Proteína</a:t>
+            </a:r>
+          </a:p>
+        </p:txBody>
+      </p:sp>
+      <p:sp>
+        <p:nvSpPr>
+          <p:cNvPr id="17" name="Rectangle: Rounded Corners 16">
+            <a:extLst>
+              <a:ext uri="{FF2B5EF4-FFF2-40B4-BE49-F238E27FC236}">
+                <a16:creationId xmlns:a16="http://schemas.microsoft.com/office/drawing/2014/main" id="{E8185E3A-FC30-4F20-B9BF-E091A968914A}"/>
+              </a:ext>
+            </a:extLst>
+          </p:cNvPr>
+          <p:cNvSpPr/>
+          <p:nvPr/>
+        </p:nvSpPr>
+        <p:spPr>
+          <a:xfrm>
+            <a:off x="226559" y="3243101"/>
+            <a:ext cx="1605924" cy="794840"/>
+          </a:xfrm>
+          <a:prstGeom prst="roundRect">
+            <a:avLst/>
+          </a:prstGeom>
+        </p:spPr>
+        <p:style>
+          <a:lnRef idx="2">
+            <a:schemeClr val="accent1">
+              <a:shade val="50000"/>
+            </a:schemeClr>
+          </a:lnRef>
+          <a:fillRef idx="1">
+            <a:schemeClr val="accent1"/>
+          </a:fillRef>
+          <a:effectRef idx="0">
+            <a:schemeClr val="accent1"/>
+          </a:effectRef>
+          <a:fontRef idx="minor">
+            <a:schemeClr val="lt1"/>
+          </a:fontRef>
+        </p:style>
+        <p:txBody>
+          <a:bodyPr rtlCol="0" anchor="ctr"/>
+          <a:lstStyle/>
+          <a:p>
+            <a:pPr algn="ctr"/>
+            <a:r>
+              <a:rPr lang="es-PE" dirty="0"/>
+              <a:t>ADN</a:t>
+            </a:r>
+          </a:p>
+          <a:p>
+            <a:pPr algn="ctr"/>
+            <a:r>
+              <a:rPr lang="es-PE" dirty="0"/>
+              <a:t>Genómico</a:t>
+            </a:r>
+          </a:p>
+          <a:p>
+            <a:pPr algn="ctr"/>
+            <a:r>
+              <a:rPr lang="es-PE" dirty="0"/>
+              <a:t>(Organismo)</a:t>
+            </a:r>
+          </a:p>
+        </p:txBody>
+      </p:sp>
+      <p:sp>
+        <p:nvSpPr>
+          <p:cNvPr id="18" name="Rectangle: Rounded Corners 17">
+            <a:extLst>
+              <a:ext uri="{FF2B5EF4-FFF2-40B4-BE49-F238E27FC236}">
+                <a16:creationId xmlns:a16="http://schemas.microsoft.com/office/drawing/2014/main" id="{27191F32-595F-4415-8F78-8CFCC05566F6}"/>
+              </a:ext>
+            </a:extLst>
+          </p:cNvPr>
+          <p:cNvSpPr/>
+          <p:nvPr/>
+        </p:nvSpPr>
+        <p:spPr>
+          <a:xfrm>
+            <a:off x="4016792" y="3343268"/>
+            <a:ext cx="1576817" cy="551793"/>
+          </a:xfrm>
+          <a:prstGeom prst="roundRect">
+            <a:avLst/>
+          </a:prstGeom>
+        </p:spPr>
+        <p:style>
+          <a:lnRef idx="2">
+            <a:schemeClr val="accent2"/>
+          </a:lnRef>
+          <a:fillRef idx="1">
+            <a:schemeClr val="lt1"/>
+          </a:fillRef>
+          <a:effectRef idx="0">
+            <a:schemeClr val="accent2"/>
+          </a:effectRef>
+          <a:fontRef idx="minor">
+            <a:schemeClr val="dk1"/>
+          </a:fontRef>
+        </p:style>
+        <p:txBody>
+          <a:bodyPr rtlCol="0" anchor="ctr"/>
+          <a:lstStyle/>
+          <a:p>
+            <a:pPr algn="ctr"/>
+            <a:r>
+              <a:rPr lang="es-PE" dirty="0"/>
+              <a:t>Alineamiento</a:t>
+            </a:r>
+          </a:p>
+        </p:txBody>
+      </p:sp>
+      <p:sp>
+        <p:nvSpPr>
+          <p:cNvPr id="19" name="Rectangle: Rounded Corners 18">
+            <a:extLst>
+              <a:ext uri="{FF2B5EF4-FFF2-40B4-BE49-F238E27FC236}">
+                <a16:creationId xmlns:a16="http://schemas.microsoft.com/office/drawing/2014/main" id="{AEEE085D-D830-461E-82D2-2C15BE5AC42B}"/>
+              </a:ext>
+            </a:extLst>
+          </p:cNvPr>
+          <p:cNvSpPr/>
+          <p:nvPr/>
+        </p:nvSpPr>
+        <p:spPr>
+          <a:xfrm>
+            <a:off x="5903665" y="3362815"/>
+            <a:ext cx="1555530" cy="551793"/>
+          </a:xfrm>
+          <a:prstGeom prst="roundRect">
+            <a:avLst/>
+          </a:prstGeom>
+        </p:spPr>
+        <p:style>
+          <a:lnRef idx="2">
+            <a:schemeClr val="accent2">
+              <a:shade val="50000"/>
+            </a:schemeClr>
+          </a:lnRef>
+          <a:fillRef idx="1">
+            <a:schemeClr val="accent2"/>
+          </a:fillRef>
+          <a:effectRef idx="0">
+            <a:schemeClr val="accent2"/>
+          </a:effectRef>
+          <a:fontRef idx="minor">
+            <a:schemeClr val="lt1"/>
+          </a:fontRef>
+        </p:style>
+        <p:txBody>
+          <a:bodyPr rtlCol="0" anchor="ctr"/>
+          <a:lstStyle/>
+          <a:p>
+            <a:pPr algn="ctr"/>
+            <a:r>
+              <a:rPr lang="es-PE" dirty="0" err="1"/>
+              <a:t>OTUs</a:t>
+            </a:r>
+            <a:endParaRPr lang="es-PE" dirty="0"/>
+          </a:p>
+        </p:txBody>
+      </p:sp>
+      <p:sp>
+        <p:nvSpPr>
+          <p:cNvPr id="20" name="Rectangle: Rounded Corners 19">
+            <a:extLst>
+              <a:ext uri="{FF2B5EF4-FFF2-40B4-BE49-F238E27FC236}">
+                <a16:creationId xmlns:a16="http://schemas.microsoft.com/office/drawing/2014/main" id="{0A237215-D0AE-4AC8-B44F-3DD42F85334F}"/>
+              </a:ext>
+            </a:extLst>
+          </p:cNvPr>
+          <p:cNvSpPr/>
+          <p:nvPr/>
+        </p:nvSpPr>
+        <p:spPr>
+          <a:xfrm>
+            <a:off x="4626657" y="5195503"/>
+            <a:ext cx="1933903" cy="622750"/>
+          </a:xfrm>
+          <a:prstGeom prst="roundRect">
+            <a:avLst/>
+          </a:prstGeom>
+        </p:spPr>
+        <p:style>
+          <a:lnRef idx="2">
+            <a:schemeClr val="accent1">
+              <a:shade val="50000"/>
+            </a:schemeClr>
+          </a:lnRef>
+          <a:fillRef idx="1">
+            <a:schemeClr val="accent1"/>
+          </a:fillRef>
+          <a:effectRef idx="0">
+            <a:schemeClr val="accent1"/>
+          </a:effectRef>
+          <a:fontRef idx="minor">
+            <a:schemeClr val="lt1"/>
+          </a:fontRef>
+        </p:style>
+        <p:txBody>
+          <a:bodyPr rtlCol="0" anchor="ctr"/>
+          <a:lstStyle/>
+          <a:p>
+            <a:pPr algn="ctr"/>
+            <a:r>
+              <a:rPr lang="es-PE" dirty="0"/>
+              <a:t>Diversidad alfa</a:t>
+            </a:r>
+          </a:p>
+        </p:txBody>
+      </p:sp>
+      <p:sp>
+        <p:nvSpPr>
+          <p:cNvPr id="22" name="Rectangle: Rounded Corners 21">
+            <a:extLst>
+              <a:ext uri="{FF2B5EF4-FFF2-40B4-BE49-F238E27FC236}">
+                <a16:creationId xmlns:a16="http://schemas.microsoft.com/office/drawing/2014/main" id="{C1749886-8464-4483-83EA-CCF7AE16603D}"/>
+              </a:ext>
+            </a:extLst>
+          </p:cNvPr>
+          <p:cNvSpPr/>
+          <p:nvPr/>
+        </p:nvSpPr>
+        <p:spPr>
+          <a:xfrm>
+            <a:off x="9294172" y="3914725"/>
+            <a:ext cx="1933904" cy="551793"/>
+          </a:xfrm>
+          <a:prstGeom prst="roundRect">
+            <a:avLst/>
+          </a:prstGeom>
+        </p:spPr>
+        <p:style>
+          <a:lnRef idx="2">
+            <a:schemeClr val="accent5"/>
+          </a:lnRef>
+          <a:fillRef idx="1">
+            <a:schemeClr val="lt1"/>
+          </a:fillRef>
+          <a:effectRef idx="0">
+            <a:schemeClr val="accent5"/>
+          </a:effectRef>
+          <a:fontRef idx="minor">
+            <a:schemeClr val="dk1"/>
+          </a:fontRef>
+        </p:style>
+        <p:txBody>
+          <a:bodyPr rtlCol="0" anchor="ctr"/>
+          <a:lstStyle/>
+          <a:p>
+            <a:pPr algn="ctr"/>
+            <a:r>
+              <a:rPr lang="es-PE" dirty="0"/>
+              <a:t>Conservación taxonómica</a:t>
+            </a:r>
+          </a:p>
+        </p:txBody>
+      </p:sp>
+      <p:sp>
+        <p:nvSpPr>
+          <p:cNvPr id="23" name="Rectangle: Rounded Corners 22">
+            <a:extLst>
+              <a:ext uri="{FF2B5EF4-FFF2-40B4-BE49-F238E27FC236}">
+                <a16:creationId xmlns:a16="http://schemas.microsoft.com/office/drawing/2014/main" id="{D469AD23-D371-4C7A-96C5-AB814471B353}"/>
+              </a:ext>
+            </a:extLst>
+          </p:cNvPr>
+          <p:cNvSpPr/>
+          <p:nvPr/>
+        </p:nvSpPr>
+        <p:spPr>
+          <a:xfrm>
+            <a:off x="9289312" y="3206074"/>
+            <a:ext cx="1968609" cy="551793"/>
+          </a:xfrm>
+          <a:prstGeom prst="roundRect">
+            <a:avLst/>
+          </a:prstGeom>
+        </p:spPr>
+        <p:style>
+          <a:lnRef idx="2">
+            <a:schemeClr val="accent6"/>
+          </a:lnRef>
+          <a:fillRef idx="1">
+            <a:schemeClr val="lt1"/>
+          </a:fillRef>
+          <a:effectRef idx="0">
+            <a:schemeClr val="accent6"/>
+          </a:effectRef>
+          <a:fontRef idx="minor">
+            <a:schemeClr val="dk1"/>
+          </a:fontRef>
+        </p:style>
+        <p:txBody>
+          <a:bodyPr rtlCol="0" anchor="ctr"/>
+          <a:lstStyle/>
+          <a:p>
+            <a:pPr algn="ctr"/>
+            <a:r>
+              <a:rPr lang="es-PE" dirty="0"/>
+              <a:t>Distribución espacial</a:t>
+            </a:r>
+          </a:p>
+        </p:txBody>
+      </p:sp>
+      <p:sp>
+        <p:nvSpPr>
+          <p:cNvPr id="24" name="Rectangle: Rounded Corners 23">
+            <a:extLst>
+              <a:ext uri="{FF2B5EF4-FFF2-40B4-BE49-F238E27FC236}">
+                <a16:creationId xmlns:a16="http://schemas.microsoft.com/office/drawing/2014/main" id="{09C18B87-BD95-4D6E-9615-722C26C0C055}"/>
+              </a:ext>
+            </a:extLst>
+          </p:cNvPr>
+          <p:cNvSpPr/>
+          <p:nvPr/>
+        </p:nvSpPr>
+        <p:spPr>
+          <a:xfrm>
+            <a:off x="212874" y="4203485"/>
+            <a:ext cx="1619583" cy="780388"/>
+          </a:xfrm>
+          <a:prstGeom prst="roundRect">
+            <a:avLst/>
+          </a:prstGeom>
+        </p:spPr>
+        <p:style>
+          <a:lnRef idx="2">
+            <a:schemeClr val="accent1">
+              <a:shade val="50000"/>
+            </a:schemeClr>
+          </a:lnRef>
+          <a:fillRef idx="1">
+            <a:schemeClr val="accent1"/>
+          </a:fillRef>
+          <a:effectRef idx="0">
+            <a:schemeClr val="accent1"/>
+          </a:effectRef>
+          <a:fontRef idx="minor">
+            <a:schemeClr val="lt1"/>
+          </a:fontRef>
+        </p:style>
+        <p:txBody>
+          <a:bodyPr rtlCol="0" anchor="ctr"/>
+          <a:lstStyle/>
+          <a:p>
+            <a:pPr algn="ctr"/>
+            <a:r>
+              <a:rPr lang="es-PE" dirty="0"/>
+              <a:t>ADN</a:t>
+            </a:r>
+          </a:p>
+          <a:p>
+            <a:pPr algn="ctr"/>
+            <a:r>
+              <a:rPr lang="es-PE" dirty="0"/>
+              <a:t>Genómico (Comunidad)</a:t>
+            </a:r>
+          </a:p>
+        </p:txBody>
+      </p:sp>
+      <p:sp>
+        <p:nvSpPr>
+          <p:cNvPr id="27" name="Oval 26">
+            <a:extLst>
+              <a:ext uri="{FF2B5EF4-FFF2-40B4-BE49-F238E27FC236}">
+                <a16:creationId xmlns:a16="http://schemas.microsoft.com/office/drawing/2014/main" id="{336707D5-1E5F-45ED-947E-F07FE06E7320}"/>
+              </a:ext>
+            </a:extLst>
+          </p:cNvPr>
+          <p:cNvSpPr/>
+          <p:nvPr/>
+        </p:nvSpPr>
+        <p:spPr>
+          <a:xfrm>
+            <a:off x="8048816" y="1757195"/>
+            <a:ext cx="1034228" cy="1003408"/>
+          </a:xfrm>
+          <a:prstGeom prst="ellipse">
+            <a:avLst/>
+          </a:prstGeom>
+        </p:spPr>
+        <p:style>
+          <a:lnRef idx="1">
+            <a:schemeClr val="dk1"/>
+          </a:lnRef>
+          <a:fillRef idx="2">
+            <a:schemeClr val="dk1"/>
+          </a:fillRef>
+          <a:effectRef idx="1">
+            <a:schemeClr val="dk1"/>
+          </a:effectRef>
+          <a:fontRef idx="minor">
+            <a:schemeClr val="dk1"/>
+          </a:fontRef>
+        </p:style>
+        <p:txBody>
+          <a:bodyPr rtlCol="0" anchor="ctr"/>
+          <a:lstStyle/>
+          <a:p>
+            <a:pPr algn="ctr"/>
+            <a:r>
+              <a:rPr lang="es-PE" dirty="0"/>
+              <a:t>Bases de datos</a:t>
+            </a:r>
+          </a:p>
+        </p:txBody>
+      </p:sp>
+      <p:sp>
+        <p:nvSpPr>
+          <p:cNvPr id="28" name="Rectangle: Rounded Corners 27">
+            <a:extLst>
+              <a:ext uri="{FF2B5EF4-FFF2-40B4-BE49-F238E27FC236}">
+                <a16:creationId xmlns:a16="http://schemas.microsoft.com/office/drawing/2014/main" id="{148F76C4-FE0D-400D-AF16-7750CD6B9855}"/>
+              </a:ext>
+            </a:extLst>
+          </p:cNvPr>
+          <p:cNvSpPr/>
+          <p:nvPr/>
+        </p:nvSpPr>
+        <p:spPr>
+          <a:xfrm>
+            <a:off x="9286447" y="1078256"/>
+            <a:ext cx="1933900" cy="551793"/>
+          </a:xfrm>
+          <a:prstGeom prst="roundRect">
+            <a:avLst/>
+          </a:prstGeom>
+        </p:spPr>
+        <p:style>
+          <a:lnRef idx="2">
+            <a:schemeClr val="accent6"/>
+          </a:lnRef>
+          <a:fillRef idx="1">
+            <a:schemeClr val="lt1"/>
+          </a:fillRef>
+          <a:effectRef idx="0">
+            <a:schemeClr val="accent6"/>
+          </a:effectRef>
+          <a:fontRef idx="minor">
+            <a:schemeClr val="dk1"/>
+          </a:fontRef>
+        </p:style>
+        <p:txBody>
+          <a:bodyPr rtlCol="0" anchor="ctr"/>
+          <a:lstStyle/>
+          <a:p>
+            <a:pPr algn="ctr"/>
+            <a:r>
+              <a:rPr lang="es-PE" dirty="0"/>
+              <a:t>Novedad</a:t>
+            </a:r>
+          </a:p>
+        </p:txBody>
+      </p:sp>
+      <p:sp>
+        <p:nvSpPr>
+          <p:cNvPr id="29" name="Rectangle: Rounded Corners 28">
+            <a:extLst>
+              <a:ext uri="{FF2B5EF4-FFF2-40B4-BE49-F238E27FC236}">
+                <a16:creationId xmlns:a16="http://schemas.microsoft.com/office/drawing/2014/main" id="{FE2B7507-2184-48EF-9908-B6F8C21A0C99}"/>
+              </a:ext>
+            </a:extLst>
+          </p:cNvPr>
+          <p:cNvSpPr/>
+          <p:nvPr/>
+        </p:nvSpPr>
+        <p:spPr>
+          <a:xfrm>
+            <a:off x="9282604" y="2505523"/>
+            <a:ext cx="1957041" cy="551793"/>
+          </a:xfrm>
+          <a:prstGeom prst="roundRect">
+            <a:avLst/>
+          </a:prstGeom>
+        </p:spPr>
+        <p:style>
+          <a:lnRef idx="2">
+            <a:schemeClr val="accent6"/>
+          </a:lnRef>
+          <a:fillRef idx="1">
+            <a:schemeClr val="lt1"/>
+          </a:fillRef>
+          <a:effectRef idx="0">
+            <a:schemeClr val="accent6"/>
+          </a:effectRef>
+          <a:fontRef idx="minor">
+            <a:schemeClr val="dk1"/>
+          </a:fontRef>
+        </p:style>
+        <p:txBody>
+          <a:bodyPr rtlCol="0" anchor="ctr"/>
+          <a:lstStyle/>
+          <a:p>
+            <a:pPr algn="ctr"/>
+            <a:r>
+              <a:rPr lang="es-PE" dirty="0"/>
+              <a:t>Metadatos parientes</a:t>
+            </a:r>
+          </a:p>
+        </p:txBody>
+      </p:sp>
+      <p:sp>
+        <p:nvSpPr>
+          <p:cNvPr id="30" name="Rectangle: Rounded Corners 29">
+            <a:extLst>
+              <a:ext uri="{FF2B5EF4-FFF2-40B4-BE49-F238E27FC236}">
+                <a16:creationId xmlns:a16="http://schemas.microsoft.com/office/drawing/2014/main" id="{7D8EF7E5-2D28-406F-90ED-FAC5E7E833DA}"/>
+              </a:ext>
+            </a:extLst>
+          </p:cNvPr>
+          <p:cNvSpPr/>
+          <p:nvPr/>
+        </p:nvSpPr>
+        <p:spPr>
+          <a:xfrm>
+            <a:off x="9306666" y="1799521"/>
+            <a:ext cx="1933902" cy="551793"/>
+          </a:xfrm>
+          <a:prstGeom prst="roundRect">
+            <a:avLst/>
+          </a:prstGeom>
+        </p:spPr>
+        <p:style>
+          <a:lnRef idx="2">
+            <a:schemeClr val="accent6"/>
+          </a:lnRef>
+          <a:fillRef idx="1">
+            <a:schemeClr val="lt1"/>
+          </a:fillRef>
+          <a:effectRef idx="0">
+            <a:schemeClr val="accent6"/>
+          </a:effectRef>
+          <a:fontRef idx="minor">
+            <a:schemeClr val="dk1"/>
+          </a:fontRef>
+        </p:style>
+        <p:txBody>
+          <a:bodyPr rtlCol="0" anchor="ctr"/>
+          <a:lstStyle/>
+          <a:p>
+            <a:pPr algn="ctr"/>
+            <a:r>
+              <a:rPr lang="es-PE" dirty="0"/>
+              <a:t>Taxonomía</a:t>
+            </a:r>
+          </a:p>
+        </p:txBody>
+      </p:sp>
+      <p:sp>
+        <p:nvSpPr>
+          <p:cNvPr id="31" name="Rectangle: Rounded Corners 30">
+            <a:extLst>
+              <a:ext uri="{FF2B5EF4-FFF2-40B4-BE49-F238E27FC236}">
+                <a16:creationId xmlns:a16="http://schemas.microsoft.com/office/drawing/2014/main" id="{DBE5D0EF-8147-4C39-853B-0182C029BF32}"/>
+              </a:ext>
+            </a:extLst>
+          </p:cNvPr>
+          <p:cNvSpPr/>
+          <p:nvPr/>
+        </p:nvSpPr>
+        <p:spPr>
+          <a:xfrm>
+            <a:off x="6849761" y="5230981"/>
+            <a:ext cx="1933904" cy="551794"/>
+          </a:xfrm>
+          <a:prstGeom prst="roundRect">
+            <a:avLst/>
+          </a:prstGeom>
+        </p:spPr>
+        <p:style>
+          <a:lnRef idx="2">
+            <a:schemeClr val="accent1">
+              <a:shade val="50000"/>
+            </a:schemeClr>
+          </a:lnRef>
+          <a:fillRef idx="1">
+            <a:schemeClr val="accent1"/>
+          </a:fillRef>
+          <a:effectRef idx="0">
+            <a:schemeClr val="accent1"/>
+          </a:effectRef>
+          <a:fontRef idx="minor">
+            <a:schemeClr val="lt1"/>
+          </a:fontRef>
+        </p:style>
+        <p:txBody>
+          <a:bodyPr rtlCol="0" anchor="ctr"/>
+          <a:lstStyle/>
+          <a:p>
+            <a:pPr algn="ctr"/>
+            <a:r>
+              <a:rPr lang="es-PE" dirty="0"/>
+              <a:t>Diversidad beta</a:t>
+            </a:r>
+          </a:p>
+        </p:txBody>
+      </p:sp>
+      <p:sp>
+        <p:nvSpPr>
+          <p:cNvPr id="3" name="Arrow: Right 2">
+            <a:extLst>
+              <a:ext uri="{FF2B5EF4-FFF2-40B4-BE49-F238E27FC236}">
+                <a16:creationId xmlns:a16="http://schemas.microsoft.com/office/drawing/2014/main" id="{1CC104C1-8FBC-45BD-966A-916983D85425}"/>
+              </a:ext>
+            </a:extLst>
+          </p:cNvPr>
+          <p:cNvSpPr/>
+          <p:nvPr/>
+        </p:nvSpPr>
+        <p:spPr>
+          <a:xfrm rot="19939254">
+            <a:off x="6971071" y="2760603"/>
+            <a:ext cx="1034228" cy="336663"/>
+          </a:xfrm>
+          <a:prstGeom prst="rightArrow">
+            <a:avLst/>
+          </a:prstGeom>
+        </p:spPr>
+        <p:style>
+          <a:lnRef idx="2">
+            <a:schemeClr val="dk1">
+              <a:shade val="50000"/>
+            </a:schemeClr>
+          </a:lnRef>
+          <a:fillRef idx="1">
+            <a:schemeClr val="dk1"/>
+          </a:fillRef>
+          <a:effectRef idx="0">
+            <a:schemeClr val="dk1"/>
+          </a:effectRef>
+          <a:fontRef idx="minor">
+            <a:schemeClr val="lt1"/>
+          </a:fontRef>
+        </p:style>
+        <p:txBody>
+          <a:bodyPr rtlCol="0" anchor="ctr"/>
+          <a:lstStyle/>
+          <a:p>
+            <a:pPr algn="ctr"/>
+            <a:endParaRPr lang="es-PE"/>
+          </a:p>
+        </p:txBody>
+      </p:sp>
+      <p:sp>
+        <p:nvSpPr>
+          <p:cNvPr id="21" name="Arrow: Right 20">
+            <a:extLst>
+              <a:ext uri="{FF2B5EF4-FFF2-40B4-BE49-F238E27FC236}">
+                <a16:creationId xmlns:a16="http://schemas.microsoft.com/office/drawing/2014/main" id="{1EB753D1-6B86-49D7-A56F-ADC702F48D34}"/>
+              </a:ext>
+            </a:extLst>
+          </p:cNvPr>
+          <p:cNvSpPr/>
+          <p:nvPr/>
+        </p:nvSpPr>
+        <p:spPr>
+          <a:xfrm rot="5400000">
+            <a:off x="6164315" y="4386724"/>
+            <a:ext cx="1034228" cy="336663"/>
+          </a:xfrm>
+          <a:prstGeom prst="rightArrow">
+            <a:avLst/>
+          </a:prstGeom>
+        </p:spPr>
+        <p:style>
+          <a:lnRef idx="2">
+            <a:schemeClr val="dk1">
+              <a:shade val="50000"/>
+            </a:schemeClr>
+          </a:lnRef>
+          <a:fillRef idx="1">
+            <a:schemeClr val="dk1"/>
+          </a:fillRef>
+          <a:effectRef idx="0">
+            <a:schemeClr val="dk1"/>
+          </a:effectRef>
+          <a:fontRef idx="minor">
+            <a:schemeClr val="lt1"/>
+          </a:fontRef>
+        </p:style>
+        <p:txBody>
+          <a:bodyPr rtlCol="0" anchor="ctr"/>
+          <a:lstStyle/>
+          <a:p>
+            <a:pPr algn="ctr"/>
+            <a:endParaRPr lang="es-PE"/>
+          </a:p>
+        </p:txBody>
+      </p:sp>
+      <p:sp>
+        <p:nvSpPr>
+          <p:cNvPr id="26" name="Arrow: Right 25">
+            <a:extLst>
+              <a:ext uri="{FF2B5EF4-FFF2-40B4-BE49-F238E27FC236}">
+                <a16:creationId xmlns:a16="http://schemas.microsoft.com/office/drawing/2014/main" id="{56DC667B-F6DC-4F4C-90EE-9654CBFEB710}"/>
+              </a:ext>
+            </a:extLst>
+          </p:cNvPr>
+          <p:cNvSpPr/>
+          <p:nvPr/>
+        </p:nvSpPr>
+        <p:spPr>
+          <a:xfrm>
+            <a:off x="2045568" y="3471732"/>
+            <a:ext cx="341905" cy="234516"/>
+          </a:xfrm>
+          <a:prstGeom prst="rightArrow">
+            <a:avLst/>
+          </a:prstGeom>
+        </p:spPr>
+        <p:style>
+          <a:lnRef idx="2">
+            <a:schemeClr val="dk1">
+              <a:shade val="50000"/>
+            </a:schemeClr>
+          </a:lnRef>
+          <a:fillRef idx="1">
+            <a:schemeClr val="dk1"/>
+          </a:fillRef>
+          <a:effectRef idx="0">
+            <a:schemeClr val="dk1"/>
+          </a:effectRef>
+          <a:fontRef idx="minor">
+            <a:schemeClr val="lt1"/>
+          </a:fontRef>
+        </p:style>
+        <p:txBody>
+          <a:bodyPr rtlCol="0" anchor="ctr"/>
+          <a:lstStyle/>
+          <a:p>
+            <a:pPr algn="ctr"/>
+            <a:endParaRPr lang="es-PE"/>
+          </a:p>
+        </p:txBody>
+      </p:sp>
+      <p:sp>
+        <p:nvSpPr>
+          <p:cNvPr id="32" name="Arrow: Right 31">
+            <a:extLst>
+              <a:ext uri="{FF2B5EF4-FFF2-40B4-BE49-F238E27FC236}">
+                <a16:creationId xmlns:a16="http://schemas.microsoft.com/office/drawing/2014/main" id="{CDA5B4AE-0AE8-4BA9-B2C1-FF32022785CC}"/>
+              </a:ext>
+            </a:extLst>
+          </p:cNvPr>
+          <p:cNvSpPr/>
+          <p:nvPr/>
+        </p:nvSpPr>
+        <p:spPr>
+          <a:xfrm>
+            <a:off x="3761489" y="3524244"/>
+            <a:ext cx="341905" cy="234516"/>
+          </a:xfrm>
+          <a:prstGeom prst="rightArrow">
+            <a:avLst/>
+          </a:prstGeom>
+        </p:spPr>
+        <p:style>
+          <a:lnRef idx="2">
+            <a:schemeClr val="dk1">
+              <a:shade val="50000"/>
+            </a:schemeClr>
+          </a:lnRef>
+          <a:fillRef idx="1">
+            <a:schemeClr val="dk1"/>
+          </a:fillRef>
+          <a:effectRef idx="0">
+            <a:schemeClr val="dk1"/>
+          </a:effectRef>
+          <a:fontRef idx="minor">
+            <a:schemeClr val="lt1"/>
+          </a:fontRef>
+        </p:style>
+        <p:txBody>
+          <a:bodyPr rtlCol="0" anchor="ctr"/>
+          <a:lstStyle/>
+          <a:p>
+            <a:pPr algn="ctr"/>
+            <a:endParaRPr lang="es-PE"/>
+          </a:p>
+        </p:txBody>
+      </p:sp>
+      <p:sp>
+        <p:nvSpPr>
+          <p:cNvPr id="33" name="Arrow: Right 32">
+            <a:extLst>
+              <a:ext uri="{FF2B5EF4-FFF2-40B4-BE49-F238E27FC236}">
+                <a16:creationId xmlns:a16="http://schemas.microsoft.com/office/drawing/2014/main" id="{B3848CF4-FC35-4125-9A73-D931E1F0E5F9}"/>
+              </a:ext>
+            </a:extLst>
+          </p:cNvPr>
+          <p:cNvSpPr/>
+          <p:nvPr/>
+        </p:nvSpPr>
+        <p:spPr>
+          <a:xfrm>
+            <a:off x="5602557" y="3525020"/>
+            <a:ext cx="341905" cy="234516"/>
+          </a:xfrm>
+          <a:prstGeom prst="rightArrow">
+            <a:avLst/>
+          </a:prstGeom>
+        </p:spPr>
+        <p:style>
+          <a:lnRef idx="2">
+            <a:schemeClr val="dk1">
+              <a:shade val="50000"/>
+            </a:schemeClr>
+          </a:lnRef>
+          <a:fillRef idx="1">
+            <a:schemeClr val="dk1"/>
+          </a:fillRef>
+          <a:effectRef idx="0">
+            <a:schemeClr val="dk1"/>
+          </a:effectRef>
+          <a:fontRef idx="minor">
+            <a:schemeClr val="lt1"/>
+          </a:fontRef>
+        </p:style>
+        <p:txBody>
+          <a:bodyPr rtlCol="0" anchor="ctr"/>
+          <a:lstStyle/>
+          <a:p>
+            <a:pPr algn="ctr"/>
+            <a:endParaRPr lang="es-PE"/>
+          </a:p>
+        </p:txBody>
+      </p:sp>
+      <p:sp>
+        <p:nvSpPr>
+          <p:cNvPr id="4" name="TextBox 3">
+            <a:extLst>
+              <a:ext uri="{FF2B5EF4-FFF2-40B4-BE49-F238E27FC236}">
+                <a16:creationId xmlns:a16="http://schemas.microsoft.com/office/drawing/2014/main" id="{8623BE08-C2DD-4811-A7F8-988DF0887CBE}"/>
+              </a:ext>
+            </a:extLst>
+          </p:cNvPr>
+          <p:cNvSpPr txBox="1"/>
+          <p:nvPr/>
+        </p:nvSpPr>
+        <p:spPr>
+          <a:xfrm>
+            <a:off x="3395081" y="1842229"/>
+            <a:ext cx="3038168" cy="369332"/>
+          </a:xfrm>
+          <a:prstGeom prst="rect">
+            <a:avLst/>
+          </a:prstGeom>
+          <a:noFill/>
+        </p:spPr>
+        <p:txBody>
+          <a:bodyPr wrap="square" rtlCol="0">
+            <a:spAutoFit/>
+          </a:bodyPr>
+          <a:lstStyle/>
+          <a:p>
+            <a:r>
+              <a:rPr lang="es-PE" dirty="0"/>
+              <a:t>MOTHUR  + HMM + R</a:t>
+            </a:r>
+          </a:p>
+        </p:txBody>
+      </p:sp>
+      <p:sp>
+        <p:nvSpPr>
+          <p:cNvPr id="5" name="Oval 4">
+            <a:extLst>
+              <a:ext uri="{FF2B5EF4-FFF2-40B4-BE49-F238E27FC236}">
+                <a16:creationId xmlns:a16="http://schemas.microsoft.com/office/drawing/2014/main" id="{5172128A-FA8B-4074-9171-1EFDBDBE9116}"/>
+              </a:ext>
+            </a:extLst>
+          </p:cNvPr>
+          <p:cNvSpPr/>
+          <p:nvPr/>
+        </p:nvSpPr>
+        <p:spPr>
+          <a:xfrm rot="1009236">
+            <a:off x="-170865" y="1081833"/>
+            <a:ext cx="9369555" cy="6210346"/>
+          </a:xfrm>
+          <a:prstGeom prst="ellipse">
+            <a:avLst/>
+          </a:prstGeom>
+          <a:noFill/>
+        </p:spPr>
+        <p:style>
+          <a:lnRef idx="2">
+            <a:schemeClr val="accent4"/>
+          </a:lnRef>
+          <a:fillRef idx="1">
+            <a:schemeClr val="lt1"/>
+          </a:fillRef>
+          <a:effectRef idx="0">
+            <a:schemeClr val="accent4"/>
+          </a:effectRef>
+          <a:fontRef idx="minor">
+            <a:schemeClr val="dk1"/>
+          </a:fontRef>
+        </p:style>
+        <p:txBody>
+          <a:bodyPr rtlCol="0" anchor="ctr"/>
+          <a:lstStyle/>
+          <a:p>
+            <a:pPr algn="ctr"/>
+            <a:endParaRPr lang="es-PE"/>
+          </a:p>
+        </p:txBody>
+      </p:sp>
+    </p:spTree>
+    <p:extLst>
+      <p:ext uri="{BB962C8B-B14F-4D97-AF65-F5344CB8AC3E}">
+        <p14:creationId xmlns:p14="http://schemas.microsoft.com/office/powerpoint/2010/main" val="1389518644"/>
+      </p:ext>
+    </p:extLst>
+  </p:cSld>
+  <p:clrMapOvr>
+    <a:masterClrMapping/>
+  </p:clrMapOvr>
+</p:sld>
+</file>
+
+<file path=ppt/slides/slide12.xml><?xml version="1.0" encoding="utf-8"?>
+<p:sld xmlns:a="http://schemas.openxmlformats.org/drawingml/2006/main" xmlns:r="http://schemas.openxmlformats.org/officeDocument/2006/relationships" xmlns:p="http://schemas.openxmlformats.org/presentationml/2006/main">
+  <p:cSld>
+    <p:spTree>
+      <p:nvGrpSpPr>
+        <p:cNvPr id="1" name=""/>
+        <p:cNvGrpSpPr/>
+        <p:nvPr/>
+      </p:nvGrpSpPr>
+      <p:grpSpPr>
+        <a:xfrm>
+          <a:off x="0" y="0"/>
+          <a:ext cx="0" cy="0"/>
+          <a:chOff x="0" y="0"/>
+          <a:chExt cx="0" cy="0"/>
+        </a:xfrm>
+      </p:grpSpPr>
+      <p:sp>
+        <p:nvSpPr>
+          <p:cNvPr id="2" name="Title 1"/>
+          <p:cNvSpPr>
+            <a:spLocks noGrp="1"/>
+          </p:cNvSpPr>
+          <p:nvPr>
+            <p:ph type="title"/>
+          </p:nvPr>
+        </p:nvSpPr>
+        <p:spPr/>
+        <p:txBody>
+          <a:bodyPr>
+            <a:normAutofit/>
+          </a:bodyPr>
+          <a:lstStyle/>
+          <a:p>
+            <a:r>
+              <a:rPr lang="es-PE" dirty="0"/>
               <a:t>Bases de datos</a:t>
             </a:r>
           </a:p>
@@ -5919,7 +6114,7 @@
 </p:sld>
 </file>
 
-<file path=ppt/slides/slide12.xml><?xml version="1.0" encoding="utf-8"?>
+<file path=ppt/slides/slide13.xml><?xml version="1.0" encoding="utf-8"?>
 <p:sld xmlns:a="http://schemas.openxmlformats.org/drawingml/2006/main" xmlns:r="http://schemas.openxmlformats.org/officeDocument/2006/relationships" xmlns:p="http://schemas.openxmlformats.org/presentationml/2006/main">
   <p:cSld>
     <p:spTree>
@@ -6304,7 +6499,7 @@
 </p:sld>
 </file>
 
-<file path=ppt/slides/slide13.xml><?xml version="1.0" encoding="utf-8"?>
+<file path=ppt/slides/slide14.xml><?xml version="1.0" encoding="utf-8"?>
 <p:sld xmlns:a="http://schemas.openxmlformats.org/drawingml/2006/main" xmlns:r="http://schemas.openxmlformats.org/officeDocument/2006/relationships" xmlns:p="http://schemas.openxmlformats.org/presentationml/2006/main">
   <p:cSld>
     <p:spTree>
@@ -6780,7 +6975,7 @@
 </p:sld>
 </file>
 
-<file path=ppt/slides/slide14.xml><?xml version="1.0" encoding="utf-8"?>
+<file path=ppt/slides/slide15.xml><?xml version="1.0" encoding="utf-8"?>
 <p:sld xmlns:a="http://schemas.openxmlformats.org/drawingml/2006/main" xmlns:r="http://schemas.openxmlformats.org/officeDocument/2006/relationships" xmlns:p="http://schemas.openxmlformats.org/presentationml/2006/main">
   <p:cSld>
     <p:spTree>
@@ -6911,7 +7106,7 @@
 </p:sld>
 </file>
 
-<file path=ppt/slides/slide15.xml><?xml version="1.0" encoding="utf-8"?>
+<file path=ppt/slides/slide16.xml><?xml version="1.0" encoding="utf-8"?>
 <p:sld xmlns:a="http://schemas.openxmlformats.org/drawingml/2006/main" xmlns:r="http://schemas.openxmlformats.org/officeDocument/2006/relationships" xmlns:p="http://schemas.openxmlformats.org/presentationml/2006/main">
   <p:cSld>
     <p:spTree>
@@ -7054,7 +7249,7 @@
 </p:sld>
 </file>
 
-<file path=ppt/slides/slide16.xml><?xml version="1.0" encoding="utf-8"?>
+<file path=ppt/slides/slide17.xml><?xml version="1.0" encoding="utf-8"?>
 <p:sld xmlns:a="http://schemas.openxmlformats.org/drawingml/2006/main" xmlns:r="http://schemas.openxmlformats.org/officeDocument/2006/relationships" xmlns:p="http://schemas.openxmlformats.org/presentationml/2006/main">
   <p:cSld>
     <p:spTree>
@@ -7177,7 +7372,7 @@
 </p:sld>
 </file>
 
-<file path=ppt/slides/slide17.xml><?xml version="1.0" encoding="utf-8"?>
+<file path=ppt/slides/slide18.xml><?xml version="1.0" encoding="utf-8"?>
 <p:sld xmlns:a="http://schemas.openxmlformats.org/drawingml/2006/main" xmlns:r="http://schemas.openxmlformats.org/officeDocument/2006/relationships" xmlns:p="http://schemas.openxmlformats.org/presentationml/2006/main">
   <p:cSld>
     <p:spTree>
@@ -7304,7 +7499,7 @@
 </p:sld>
 </file>
 
-<file path=ppt/slides/slide18.xml><?xml version="1.0" encoding="utf-8"?>
+<file path=ppt/slides/slide19.xml><?xml version="1.0" encoding="utf-8"?>
 <p:sld xmlns:a="http://schemas.openxmlformats.org/drawingml/2006/main" xmlns:r="http://schemas.openxmlformats.org/officeDocument/2006/relationships" xmlns:p="http://schemas.openxmlformats.org/presentationml/2006/main">
   <p:cSld>
     <p:spTree>
@@ -7435,7 +7630,93 @@
 </p:sld>
 </file>
 
-<file path=ppt/slides/slide19.xml><?xml version="1.0" encoding="utf-8"?>
+<file path=ppt/slides/slide2.xml><?xml version="1.0" encoding="utf-8"?>
+<p:sld xmlns:a="http://schemas.openxmlformats.org/drawingml/2006/main" xmlns:r="http://schemas.openxmlformats.org/officeDocument/2006/relationships" xmlns:p="http://schemas.openxmlformats.org/presentationml/2006/main">
+  <p:cSld>
+    <p:spTree>
+      <p:nvGrpSpPr>
+        <p:cNvPr id="1" name=""/>
+        <p:cNvGrpSpPr/>
+        <p:nvPr/>
+      </p:nvGrpSpPr>
+      <p:grpSpPr>
+        <a:xfrm>
+          <a:off x="0" y="0"/>
+          <a:ext cx="0" cy="0"/>
+          <a:chOff x="0" y="0"/>
+          <a:chExt cx="0" cy="0"/>
+        </a:xfrm>
+      </p:grpSpPr>
+      <p:sp>
+        <p:nvSpPr>
+          <p:cNvPr id="2" name="Title 1"/>
+          <p:cNvSpPr>
+            <a:spLocks noGrp="1"/>
+          </p:cNvSpPr>
+          <p:nvPr>
+            <p:ph type="title"/>
+          </p:nvPr>
+        </p:nvSpPr>
+        <p:spPr/>
+        <p:txBody>
+          <a:bodyPr/>
+          <a:lstStyle/>
+          <a:p>
+            <a:r>
+              <a:rPr lang="en-US" dirty="0" err="1"/>
+              <a:t>Objetivos</a:t>
+            </a:r>
+            <a:endParaRPr lang="en-US" dirty="0"/>
+          </a:p>
+        </p:txBody>
+      </p:sp>
+      <p:sp>
+        <p:nvSpPr>
+          <p:cNvPr id="6" name="Content Placeholder 5"/>
+          <p:cNvSpPr>
+            <a:spLocks noGrp="1"/>
+          </p:cNvSpPr>
+          <p:nvPr>
+            <p:ph idx="1"/>
+          </p:nvPr>
+        </p:nvSpPr>
+        <p:spPr/>
+        <p:txBody>
+          <a:bodyPr/>
+          <a:lstStyle/>
+          <a:p>
+            <a:r>
+              <a:rPr lang="es-PE" dirty="0"/>
+              <a:t>Comparar y contrastar análisis de genes funcionales y taxonómicos</a:t>
+            </a:r>
+          </a:p>
+          <a:p>
+            <a:r>
+              <a:rPr lang="es-PE" dirty="0"/>
+              <a:t>Entender que es un modelo de </a:t>
+            </a:r>
+            <a:r>
+              <a:rPr lang="es-PE" dirty="0" err="1"/>
+              <a:t>Hammer</a:t>
+            </a:r>
+            <a:endParaRPr lang="es-PE" dirty="0"/>
+          </a:p>
+        </p:txBody>
+      </p:sp>
+    </p:spTree>
+    <p:extLst>
+      <p:ext uri="{BB962C8B-B14F-4D97-AF65-F5344CB8AC3E}">
+        <p14:creationId xmlns:p14="http://schemas.microsoft.com/office/powerpoint/2010/main" val="2432363482"/>
+      </p:ext>
+    </p:extLst>
+  </p:cSld>
+  <p:clrMapOvr>
+    <a:masterClrMapping/>
+  </p:clrMapOvr>
+</p:sld>
+</file>
+
+<file path=ppt/slides/slide20.xml><?xml version="1.0" encoding="utf-8"?>
 <p:sld xmlns:a="http://schemas.openxmlformats.org/drawingml/2006/main" xmlns:r="http://schemas.openxmlformats.org/officeDocument/2006/relationships" xmlns:p="http://schemas.openxmlformats.org/presentationml/2006/main">
   <p:cSld>
     <p:spTree>
@@ -7555,93 +7836,7 @@
 </p:sld>
 </file>
 
-<file path=ppt/slides/slide2.xml><?xml version="1.0" encoding="utf-8"?>
-<p:sld xmlns:a="http://schemas.openxmlformats.org/drawingml/2006/main" xmlns:r="http://schemas.openxmlformats.org/officeDocument/2006/relationships" xmlns:p="http://schemas.openxmlformats.org/presentationml/2006/main">
-  <p:cSld>
-    <p:spTree>
-      <p:nvGrpSpPr>
-        <p:cNvPr id="1" name=""/>
-        <p:cNvGrpSpPr/>
-        <p:nvPr/>
-      </p:nvGrpSpPr>
-      <p:grpSpPr>
-        <a:xfrm>
-          <a:off x="0" y="0"/>
-          <a:ext cx="0" cy="0"/>
-          <a:chOff x="0" y="0"/>
-          <a:chExt cx="0" cy="0"/>
-        </a:xfrm>
-      </p:grpSpPr>
-      <p:sp>
-        <p:nvSpPr>
-          <p:cNvPr id="2" name="Title 1"/>
-          <p:cNvSpPr>
-            <a:spLocks noGrp="1"/>
-          </p:cNvSpPr>
-          <p:nvPr>
-            <p:ph type="title"/>
-          </p:nvPr>
-        </p:nvSpPr>
-        <p:spPr/>
-        <p:txBody>
-          <a:bodyPr/>
-          <a:lstStyle/>
-          <a:p>
-            <a:r>
-              <a:rPr lang="en-US" dirty="0" err="1"/>
-              <a:t>Objetivos</a:t>
-            </a:r>
-            <a:endParaRPr lang="en-US" dirty="0"/>
-          </a:p>
-        </p:txBody>
-      </p:sp>
-      <p:sp>
-        <p:nvSpPr>
-          <p:cNvPr id="6" name="Content Placeholder 5"/>
-          <p:cNvSpPr>
-            <a:spLocks noGrp="1"/>
-          </p:cNvSpPr>
-          <p:nvPr>
-            <p:ph idx="1"/>
-          </p:nvPr>
-        </p:nvSpPr>
-        <p:spPr/>
-        <p:txBody>
-          <a:bodyPr/>
-          <a:lstStyle/>
-          <a:p>
-            <a:r>
-              <a:rPr lang="es-PE" dirty="0"/>
-              <a:t>Comparar y contrastar análisis de genes funcionales y taxonómicos</a:t>
-            </a:r>
-          </a:p>
-          <a:p>
-            <a:r>
-              <a:rPr lang="es-PE" dirty="0"/>
-              <a:t>Entender que es un modelo de </a:t>
-            </a:r>
-            <a:r>
-              <a:rPr lang="es-PE" dirty="0" err="1"/>
-              <a:t>Hammer</a:t>
-            </a:r>
-            <a:endParaRPr lang="es-PE" dirty="0"/>
-          </a:p>
-        </p:txBody>
-      </p:sp>
-    </p:spTree>
-    <p:extLst>
-      <p:ext uri="{BB962C8B-B14F-4D97-AF65-F5344CB8AC3E}">
-        <p14:creationId xmlns:p14="http://schemas.microsoft.com/office/powerpoint/2010/main" val="2432363482"/>
-      </p:ext>
-    </p:extLst>
-  </p:cSld>
-  <p:clrMapOvr>
-    <a:masterClrMapping/>
-  </p:clrMapOvr>
-</p:sld>
-</file>
-
-<file path=ppt/slides/slide20.xml><?xml version="1.0" encoding="utf-8"?>
+<file path=ppt/slides/slide21.xml><?xml version="1.0" encoding="utf-8"?>
 <p:sld xmlns:a="http://schemas.openxmlformats.org/drawingml/2006/main" xmlns:r="http://schemas.openxmlformats.org/officeDocument/2006/relationships" xmlns:p="http://schemas.openxmlformats.org/presentationml/2006/main">
   <p:cSld>
     <p:spTree>
@@ -7737,7 +7932,7 @@
 </p:sld>
 </file>
 
-<file path=ppt/slides/slide21.xml><?xml version="1.0" encoding="utf-8"?>
+<file path=ppt/slides/slide22.xml><?xml version="1.0" encoding="utf-8"?>
 <p:sld xmlns:a="http://schemas.openxmlformats.org/drawingml/2006/main" xmlns:r="http://schemas.openxmlformats.org/officeDocument/2006/relationships" xmlns:p="http://schemas.openxmlformats.org/presentationml/2006/main">
   <p:cSld>
     <p:spTree>
@@ -7776,7 +7971,7 @@
         </p:blipFill>
         <p:spPr>
           <a:xfrm>
-            <a:off x="1584688" y="1189703"/>
+            <a:off x="2784223" y="1071716"/>
             <a:ext cx="8237260" cy="5083277"/>
           </a:xfrm>
           <a:prstGeom prst="rect">
@@ -7784,6 +7979,71 @@
           </a:prstGeom>
         </p:spPr>
       </p:pic>
+      <p:sp>
+        <p:nvSpPr>
+          <p:cNvPr id="2" name="Title 1">
+            <a:extLst>
+              <a:ext uri="{FF2B5EF4-FFF2-40B4-BE49-F238E27FC236}">
+                <a16:creationId xmlns:a16="http://schemas.microsoft.com/office/drawing/2014/main" id="{4E8E4C09-EB28-4E9D-801F-4E860B50BDBF}"/>
+              </a:ext>
+            </a:extLst>
+          </p:cNvPr>
+          <p:cNvSpPr>
+            <a:spLocks noGrp="1"/>
+          </p:cNvSpPr>
+          <p:nvPr>
+            <p:ph type="title"/>
+          </p:nvPr>
+        </p:nvSpPr>
+        <p:spPr/>
+        <p:txBody>
+          <a:bodyPr/>
+          <a:lstStyle/>
+          <a:p>
+            <a:r>
+              <a:rPr lang="es-PE" dirty="0" err="1"/>
+              <a:t>Via</a:t>
+            </a:r>
+            <a:r>
+              <a:rPr lang="es-PE" dirty="0"/>
+              <a:t> </a:t>
+            </a:r>
+            <a:r>
+              <a:rPr lang="es-PE" dirty="0" err="1"/>
+              <a:t>metabolica</a:t>
+            </a:r>
+            <a:r>
+              <a:rPr lang="es-PE" dirty="0"/>
+              <a:t> es conocida y bien estudiada</a:t>
+            </a:r>
+          </a:p>
+        </p:txBody>
+      </p:sp>
+      <p:sp>
+        <p:nvSpPr>
+          <p:cNvPr id="3" name="Content Placeholder 2">
+            <a:extLst>
+              <a:ext uri="{FF2B5EF4-FFF2-40B4-BE49-F238E27FC236}">
+                <a16:creationId xmlns:a16="http://schemas.microsoft.com/office/drawing/2014/main" id="{1F2D447E-2708-4884-AB7B-88F5B6369F73}"/>
+              </a:ext>
+            </a:extLst>
+          </p:cNvPr>
+          <p:cNvSpPr>
+            <a:spLocks noGrp="1"/>
+          </p:cNvSpPr>
+          <p:nvPr>
+            <p:ph idx="1"/>
+          </p:nvPr>
+        </p:nvSpPr>
+        <p:spPr/>
+        <p:txBody>
+          <a:bodyPr/>
+          <a:lstStyle/>
+          <a:p>
+            <a:endParaRPr lang="es-PE"/>
+          </a:p>
+        </p:txBody>
+      </p:sp>
     </p:spTree>
     <p:extLst>
       <p:ext uri="{BB962C8B-B14F-4D97-AF65-F5344CB8AC3E}">
@@ -7797,7 +8057,7 @@
 </p:sld>
 </file>
 
-<file path=ppt/slides/slide22.xml><?xml version="1.0" encoding="utf-8"?>
+<file path=ppt/slides/slide23.xml><?xml version="1.0" encoding="utf-8"?>
 <p:sld xmlns:a="http://schemas.openxmlformats.org/drawingml/2006/main" xmlns:r="http://schemas.openxmlformats.org/officeDocument/2006/relationships" xmlns:p="http://schemas.openxmlformats.org/presentationml/2006/main">
   <p:cSld>
     <p:spTree>
@@ -7836,9 +8096,10 @@
           <a:lstStyle/>
           <a:p>
             <a:r>
-              <a:rPr lang="es-PE" dirty="0"/>
-              <a:t>Ejemplo 2</a:t>
-            </a:r>
+              <a:rPr lang="es-PE" dirty="0" err="1"/>
+              <a:t>Metodologia</a:t>
+            </a:r>
+            <a:endParaRPr lang="es-PE" dirty="0"/>
           </a:p>
         </p:txBody>
       </p:sp>
@@ -7872,13 +8133,21 @@
           <a:p>
             <a:r>
               <a:rPr lang="es-PE" dirty="0"/>
-              <a:t>Determinación de los genes en la ruta metabólica en organismos modelos</a:t>
-            </a:r>
-          </a:p>
-          <a:p>
+              <a:t>Determinación de los genes en la ruta metabólica en organismos modelos (</a:t>
+            </a:r>
+            <a:r>
+              <a:rPr lang="es-PE" dirty="0" err="1"/>
+              <a:t>Bibliografia</a:t>
+            </a:r>
             <a:r>
               <a:rPr lang="es-PE" dirty="0"/>
-              <a:t>Obtención de genomas de parientes cercanos de organismos modelos</a:t>
+              <a:t>)</a:t>
+            </a:r>
+          </a:p>
+          <a:p>
+            <a:r>
+              <a:rPr lang="es-PE" dirty="0"/>
+              <a:t>Obtención de genomas de parientes cercanos de organismos modelos (Base datos)</a:t>
             </a:r>
           </a:p>
           <a:p>
@@ -7892,7 +8161,23 @@
             </a:r>
             <a:r>
               <a:rPr lang="es-PE" dirty="0"/>
-              <a:t> para 8 genes (25 modelos) usando cd-hit y HMMER</a:t>
+              <a:t> para 8 genes (25 modelos) usando cd-hit y HMMER (</a:t>
+            </a:r>
+            <a:r>
+              <a:rPr lang="es-PE" dirty="0" err="1"/>
+              <a:t>Creacion</a:t>
+            </a:r>
+            <a:r>
+              <a:rPr lang="es-PE" dirty="0"/>
+              <a:t> de </a:t>
+            </a:r>
+            <a:r>
+              <a:rPr lang="es-PE" dirty="0" err="1"/>
+              <a:t>OTUs</a:t>
+            </a:r>
+            <a:r>
+              <a:rPr lang="es-PE" dirty="0"/>
+              <a:t> y modelos)</a:t>
             </a:r>
           </a:p>
           <a:p>
@@ -7902,17 +8187,13 @@
             </a:r>
             <a:r>
               <a:rPr lang="es-PE" dirty="0"/>
-              <a:t> local de modelos contra genomas microbianos (2278 + 5489)</a:t>
-            </a:r>
-          </a:p>
-          <a:p>
-            <a:r>
-              <a:rPr lang="es-PE" dirty="0" err="1"/>
-              <a:t>Filtracion</a:t>
-            </a:r>
+              <a:t> local de modelos contra genomas microbianos (2278 completos + 5489 draft)</a:t>
+            </a:r>
+          </a:p>
+          <a:p>
             <a:r>
               <a:rPr lang="es-PE" dirty="0"/>
-              <a:t> de resultados usando similitud y recuperación de la </a:t>
+              <a:t>Filtración de resultados usando similitud y recuperación de la </a:t>
             </a:r>
             <a:r>
               <a:rPr lang="es-PE" dirty="0" err="1"/>
@@ -7926,10 +8207,13 @@
               <a:rPr lang="es-PE" dirty="0" err="1"/>
               <a:t>metabolica</a:t>
             </a:r>
-            <a:r>
-              <a:rPr lang="es-PE" dirty="0"/>
-              <a:t>.</a:t>
-            </a:r>
+            <a:endParaRPr lang="es-PE" dirty="0"/>
+          </a:p>
+          <a:p>
+            <a:pPr marL="0" indent="0">
+              <a:buNone/>
+            </a:pPr>
+            <a:endParaRPr lang="es-PE" dirty="0"/>
           </a:p>
         </p:txBody>
       </p:sp>
@@ -8196,7 +8480,7 @@
 </p:sld>
 </file>
 
-<file path=ppt/slides/slide23.xml><?xml version="1.0" encoding="utf-8"?>
+<file path=ppt/slides/slide24.xml><?xml version="1.0" encoding="utf-8"?>
 <p:sld xmlns:a="http://schemas.openxmlformats.org/drawingml/2006/main" xmlns:r="http://schemas.openxmlformats.org/officeDocument/2006/relationships" xmlns:p="http://schemas.openxmlformats.org/presentationml/2006/main">
   <p:cSld>
     <p:spTree>
@@ -8286,7 +8570,7 @@
 </p:sld>
 </file>
 
-<file path=ppt/slides/slide24.xml><?xml version="1.0" encoding="utf-8"?>
+<file path=ppt/slides/slide25.xml><?xml version="1.0" encoding="utf-8"?>
 <p:sld xmlns:a="http://schemas.openxmlformats.org/drawingml/2006/main" xmlns:r="http://schemas.openxmlformats.org/officeDocument/2006/relationships" xmlns:p="http://schemas.openxmlformats.org/presentationml/2006/main">
   <p:cSld>
     <p:spTree>
@@ -8325,8 +8609,8 @@
         </p:blipFill>
         <p:spPr>
           <a:xfrm>
-            <a:off x="1432809" y="1029866"/>
-            <a:ext cx="8752491" cy="5134960"/>
+            <a:off x="796414" y="448443"/>
+            <a:ext cx="9860835" cy="5785209"/>
           </a:xfrm>
           <a:prstGeom prst="rect">
             <a:avLst/>
@@ -8346,7 +8630,7 @@
 </p:sld>
 </file>
 
-<file path=ppt/slides/slide25.xml><?xml version="1.0" encoding="utf-8"?>
+<file path=ppt/slides/slide26.xml><?xml version="1.0" encoding="utf-8"?>
 <p:sld xmlns:a="http://schemas.openxmlformats.org/drawingml/2006/main" xmlns:r="http://schemas.openxmlformats.org/officeDocument/2006/relationships" xmlns:p="http://schemas.openxmlformats.org/presentationml/2006/main">
   <p:cSld>
     <p:spTree>
@@ -8381,10 +8665,28 @@
         </p:nvSpPr>
         <p:spPr/>
         <p:txBody>
-          <a:bodyPr/>
-          <a:lstStyle/>
-          <a:p>
-            <a:endParaRPr lang="es-PE"/>
+          <a:bodyPr>
+            <a:normAutofit fontScale="90000"/>
+          </a:bodyPr>
+          <a:lstStyle/>
+          <a:p>
+            <a:r>
+              <a:rPr lang="es-PE" dirty="0"/>
+              <a:t>Hits se encuentran </a:t>
+            </a:r>
+            <a:r>
+              <a:rPr lang="es-PE" dirty="0" err="1"/>
+              <a:t>colocalizados</a:t>
+            </a:r>
+            <a:r>
+              <a:rPr lang="es-PE" dirty="0"/>
+              <a:t> en los genomas de </a:t>
+            </a:r>
+            <a:r>
+              <a:rPr lang="es-PE" dirty="0" err="1"/>
+              <a:t>interess</a:t>
+            </a:r>
+            <a:endParaRPr lang="es-PE" dirty="0"/>
           </a:p>
         </p:txBody>
       </p:sp>
@@ -8481,7 +8783,7 @@
 </p:sld>
 </file>
 
-<file path=ppt/slides/slide26.xml><?xml version="1.0" encoding="utf-8"?>
+<file path=ppt/slides/slide27.xml><?xml version="1.0" encoding="utf-8"?>
 <p:sld xmlns:a="http://schemas.openxmlformats.org/drawingml/2006/main" xmlns:r="http://schemas.openxmlformats.org/officeDocument/2006/relationships" xmlns:p="http://schemas.openxmlformats.org/presentationml/2006/main">
   <p:cSld>
     <p:spTree>
@@ -8519,7 +8821,15 @@
           <a:bodyPr/>
           <a:lstStyle/>
           <a:p>
-            <a:endParaRPr lang="es-PE"/>
+            <a:r>
+              <a:rPr lang="es-PE" dirty="0"/>
+              <a:t>Resultados fueron confirmados </a:t>
+            </a:r>
+            <a:r>
+              <a:rPr lang="es-PE" dirty="0" err="1"/>
+              <a:t>experimentalment</a:t>
+            </a:r>
+            <a:endParaRPr lang="es-PE" dirty="0"/>
           </a:p>
         </p:txBody>
       </p:sp>
@@ -8616,222 +8926,6 @@
 </p:sld>
 </file>
 
-<file path=ppt/slides/slide27.xml><?xml version="1.0" encoding="utf-8"?>
-<p:sld xmlns:a="http://schemas.openxmlformats.org/drawingml/2006/main" xmlns:r="http://schemas.openxmlformats.org/officeDocument/2006/relationships" xmlns:p="http://schemas.openxmlformats.org/presentationml/2006/main">
-  <p:cSld>
-    <p:spTree>
-      <p:nvGrpSpPr>
-        <p:cNvPr id="1" name=""/>
-        <p:cNvGrpSpPr/>
-        <p:nvPr/>
-      </p:nvGrpSpPr>
-      <p:grpSpPr>
-        <a:xfrm>
-          <a:off x="0" y="0"/>
-          <a:ext cx="0" cy="0"/>
-          <a:chOff x="0" y="0"/>
-          <a:chExt cx="0" cy="0"/>
-        </a:xfrm>
-      </p:grpSpPr>
-      <p:sp>
-        <p:nvSpPr>
-          <p:cNvPr id="4" name="Title 3">
-            <a:extLst>
-              <a:ext uri="{FF2B5EF4-FFF2-40B4-BE49-F238E27FC236}">
-                <a16:creationId xmlns:a16="http://schemas.microsoft.com/office/drawing/2014/main" id="{368046D4-127B-469E-A3EB-C219BFBD8951}"/>
-              </a:ext>
-            </a:extLst>
-          </p:cNvPr>
-          <p:cNvSpPr>
-            <a:spLocks noGrp="1"/>
-          </p:cNvSpPr>
-          <p:nvPr>
-            <p:ph type="title"/>
-          </p:nvPr>
-        </p:nvSpPr>
-        <p:spPr/>
-        <p:txBody>
-          <a:bodyPr/>
-          <a:lstStyle/>
-          <a:p>
-            <a:r>
-              <a:rPr lang="en-US" dirty="0"/>
-              <a:t>Ebola</a:t>
-            </a:r>
-          </a:p>
-        </p:txBody>
-      </p:sp>
-      <p:sp>
-        <p:nvSpPr>
-          <p:cNvPr id="5" name="Content Placeholder 4">
-            <a:extLst>
-              <a:ext uri="{FF2B5EF4-FFF2-40B4-BE49-F238E27FC236}">
-                <a16:creationId xmlns:a16="http://schemas.microsoft.com/office/drawing/2014/main" id="{81142804-7C98-460F-A3FA-DE012AB7BCE0}"/>
-              </a:ext>
-            </a:extLst>
-          </p:cNvPr>
-          <p:cNvSpPr>
-            <a:spLocks noGrp="1"/>
-          </p:cNvSpPr>
-          <p:nvPr>
-            <p:ph sz="quarter" idx="13"/>
-          </p:nvPr>
-        </p:nvSpPr>
-        <p:spPr/>
-        <p:txBody>
-          <a:bodyPr>
-            <a:normAutofit/>
-          </a:bodyPr>
-          <a:lstStyle/>
-          <a:p>
-            <a:r>
-              <a:rPr lang="en-US" dirty="0">
-                <a:hlinkClick r:id="rId2"/>
-              </a:rPr>
-              <a:t>https://www.youtube.com/watch?v=eWnIhWUpQiQ&amp;feature=youtu.be</a:t>
-            </a:r>
-            <a:endParaRPr lang="en-US" dirty="0"/>
-          </a:p>
-          <a:p>
-            <a:r>
-              <a:rPr lang="en-US" dirty="0">
-                <a:hlinkClick r:id="rId3"/>
-              </a:rPr>
-              <a:t>http://www.nextstrain.org/ebola</a:t>
-            </a:r>
-            <a:endParaRPr lang="en-US" dirty="0"/>
-          </a:p>
-          <a:p>
-            <a:endParaRPr lang="en-US" dirty="0"/>
-          </a:p>
-        </p:txBody>
-      </p:sp>
-      <p:sp>
-        <p:nvSpPr>
-          <p:cNvPr id="6" name="Content Placeholder 5">
-            <a:extLst>
-              <a:ext uri="{FF2B5EF4-FFF2-40B4-BE49-F238E27FC236}">
-                <a16:creationId xmlns:a16="http://schemas.microsoft.com/office/drawing/2014/main" id="{F308A7FD-851E-4BEA-B5E5-C72AFF117848}"/>
-              </a:ext>
-            </a:extLst>
-          </p:cNvPr>
-          <p:cNvSpPr>
-            <a:spLocks noGrp="1"/>
-          </p:cNvSpPr>
-          <p:nvPr>
-            <p:ph sz="quarter" idx="14"/>
-          </p:nvPr>
-        </p:nvSpPr>
-        <p:spPr/>
-        <p:txBody>
-          <a:bodyPr>
-            <a:normAutofit/>
-          </a:bodyPr>
-          <a:lstStyle/>
-          <a:p>
-            <a:r>
-              <a:rPr lang="en-US" dirty="0" err="1"/>
-              <a:t>Secuenciaron</a:t>
-            </a:r>
-            <a:r>
-              <a:rPr lang="en-US" dirty="0"/>
-              <a:t> </a:t>
-            </a:r>
-            <a:r>
-              <a:rPr lang="en-US" dirty="0" err="1"/>
-              <a:t>genomas</a:t>
-            </a:r>
-            <a:r>
-              <a:rPr lang="en-US" dirty="0"/>
-              <a:t> </a:t>
-            </a:r>
-            <a:r>
-              <a:rPr lang="en-US" dirty="0" err="1"/>
-              <a:t>en</a:t>
-            </a:r>
-            <a:r>
-              <a:rPr lang="en-US" dirty="0"/>
-              <a:t> el campo</a:t>
-            </a:r>
-          </a:p>
-          <a:p>
-            <a:r>
-              <a:rPr lang="en-US" dirty="0" err="1"/>
-              <a:t>Alinearon</a:t>
-            </a:r>
-            <a:r>
-              <a:rPr lang="en-US" dirty="0"/>
-              <a:t> </a:t>
-            </a:r>
-            <a:r>
-              <a:rPr lang="en-US" dirty="0" err="1"/>
-              <a:t>genomas</a:t>
-            </a:r>
-            <a:endParaRPr lang="en-US" dirty="0"/>
-          </a:p>
-          <a:p>
-            <a:r>
-              <a:rPr lang="en-US" dirty="0" err="1"/>
-              <a:t>Agruparon</a:t>
-            </a:r>
-            <a:r>
-              <a:rPr lang="en-US" dirty="0"/>
-              <a:t> </a:t>
-            </a:r>
-            <a:r>
-              <a:rPr lang="en-US" dirty="0" err="1"/>
-              <a:t>estudios</a:t>
-            </a:r>
-            <a:endParaRPr lang="en-US" dirty="0"/>
-          </a:p>
-          <a:p>
-            <a:r>
-              <a:rPr lang="en-US" dirty="0" err="1"/>
-              <a:t>Reconstruyeron</a:t>
-            </a:r>
-            <a:r>
-              <a:rPr lang="en-US" dirty="0"/>
-              <a:t> </a:t>
-            </a:r>
-            <a:r>
-              <a:rPr lang="en-US" dirty="0" err="1"/>
-              <a:t>filogenia</a:t>
-            </a:r>
-            <a:endParaRPr lang="en-US" dirty="0"/>
-          </a:p>
-          <a:p>
-            <a:r>
-              <a:rPr lang="en-US" dirty="0" err="1"/>
-              <a:t>Modelamiento</a:t>
-            </a:r>
-            <a:r>
-              <a:rPr lang="en-US" dirty="0"/>
-              <a:t> de </a:t>
-            </a:r>
-            <a:r>
-              <a:rPr lang="en-US" dirty="0" err="1"/>
-              <a:t>transferencia</a:t>
-            </a:r>
-            <a:r>
-              <a:rPr lang="en-US" dirty="0"/>
-              <a:t> de virus</a:t>
-            </a:r>
-          </a:p>
-        </p:txBody>
-      </p:sp>
-    </p:spTree>
-    <p:extLst>
-      <p:ext uri="{BB962C8B-B14F-4D97-AF65-F5344CB8AC3E}">
-        <p14:creationId xmlns:p14="http://schemas.microsoft.com/office/powerpoint/2010/main" val="402193319"/>
-      </p:ext>
-    </p:extLst>
-  </p:cSld>
-  <p:clrMapOvr>
-    <a:masterClrMapping/>
-  </p:clrMapOvr>
-</p:sld>
-</file>
-
 <file path=ppt/slides/slide28.xml><?xml version="1.0" encoding="utf-8"?>
 <p:sld xmlns:a="http://schemas.openxmlformats.org/drawingml/2006/main" xmlns:r="http://schemas.openxmlformats.org/officeDocument/2006/relationships" xmlns:p="http://schemas.openxmlformats.org/presentationml/2006/main">
   <p:cSld>
@@ -8924,10 +9018,260 @@
           </a:p>
         </p:txBody>
       </p:sp>
+      <p:pic>
+        <p:nvPicPr>
+          <p:cNvPr id="5" name="Picture 4">
+            <a:extLst>
+              <a:ext uri="{FF2B5EF4-FFF2-40B4-BE49-F238E27FC236}">
+                <a16:creationId xmlns:a16="http://schemas.microsoft.com/office/drawing/2014/main" id="{92E41856-87F9-4467-A162-25BA74B9159C}"/>
+              </a:ext>
+            </a:extLst>
+          </p:cNvPr>
+          <p:cNvPicPr>
+            <a:picLocks noChangeAspect="1"/>
+          </p:cNvPicPr>
+          <p:nvPr/>
+        </p:nvPicPr>
+        <p:blipFill>
+          <a:blip r:embed="rId2"/>
+          <a:stretch>
+            <a:fillRect/>
+          </a:stretch>
+        </p:blipFill>
+        <p:spPr>
+          <a:xfrm>
+            <a:off x="948321" y="1295400"/>
+            <a:ext cx="10295357" cy="4672780"/>
+          </a:xfrm>
+          <a:prstGeom prst="rect">
+            <a:avLst/>
+          </a:prstGeom>
+        </p:spPr>
+      </p:pic>
     </p:spTree>
     <p:extLst>
       <p:ext uri="{BB962C8B-B14F-4D97-AF65-F5344CB8AC3E}">
         <p14:creationId xmlns:p14="http://schemas.microsoft.com/office/powerpoint/2010/main" val="2246692216"/>
+      </p:ext>
+    </p:extLst>
+  </p:cSld>
+  <p:clrMapOvr>
+    <a:masterClrMapping/>
+  </p:clrMapOvr>
+</p:sld>
+</file>
+
+<file path=ppt/slides/slide29.xml><?xml version="1.0" encoding="utf-8"?>
+<p:sld xmlns:a="http://schemas.openxmlformats.org/drawingml/2006/main" xmlns:r="http://schemas.openxmlformats.org/officeDocument/2006/relationships" xmlns:p="http://schemas.openxmlformats.org/presentationml/2006/main">
+  <p:cSld>
+    <p:spTree>
+      <p:nvGrpSpPr>
+        <p:cNvPr id="1" name=""/>
+        <p:cNvGrpSpPr/>
+        <p:nvPr/>
+      </p:nvGrpSpPr>
+      <p:grpSpPr>
+        <a:xfrm>
+          <a:off x="0" y="0"/>
+          <a:ext cx="0" cy="0"/>
+          <a:chOff x="0" y="0"/>
+          <a:chExt cx="0" cy="0"/>
+        </a:xfrm>
+      </p:grpSpPr>
+      <p:sp>
+        <p:nvSpPr>
+          <p:cNvPr id="4" name="Title 3">
+            <a:extLst>
+              <a:ext uri="{FF2B5EF4-FFF2-40B4-BE49-F238E27FC236}">
+                <a16:creationId xmlns:a16="http://schemas.microsoft.com/office/drawing/2014/main" id="{368046D4-127B-469E-A3EB-C219BFBD8951}"/>
+              </a:ext>
+            </a:extLst>
+          </p:cNvPr>
+          <p:cNvSpPr>
+            <a:spLocks noGrp="1"/>
+          </p:cNvSpPr>
+          <p:nvPr>
+            <p:ph type="title"/>
+          </p:nvPr>
+        </p:nvSpPr>
+        <p:spPr/>
+        <p:txBody>
+          <a:bodyPr/>
+          <a:lstStyle/>
+          <a:p>
+            <a:r>
+              <a:rPr lang="en-US" dirty="0" err="1"/>
+              <a:t>Epidemmiologia</a:t>
+            </a:r>
+            <a:r>
+              <a:rPr lang="en-US" dirty="0"/>
+              <a:t> de Ebola</a:t>
+            </a:r>
+          </a:p>
+        </p:txBody>
+      </p:sp>
+      <p:sp>
+        <p:nvSpPr>
+          <p:cNvPr id="5" name="Content Placeholder 4">
+            <a:extLst>
+              <a:ext uri="{FF2B5EF4-FFF2-40B4-BE49-F238E27FC236}">
+                <a16:creationId xmlns:a16="http://schemas.microsoft.com/office/drawing/2014/main" id="{81142804-7C98-460F-A3FA-DE012AB7BCE0}"/>
+              </a:ext>
+            </a:extLst>
+          </p:cNvPr>
+          <p:cNvSpPr>
+            <a:spLocks noGrp="1"/>
+          </p:cNvSpPr>
+          <p:nvPr>
+            <p:ph sz="quarter" idx="13"/>
+          </p:nvPr>
+        </p:nvSpPr>
+        <p:spPr/>
+        <p:txBody>
+          <a:bodyPr>
+            <a:normAutofit/>
+          </a:bodyPr>
+          <a:lstStyle/>
+          <a:p>
+            <a:r>
+              <a:rPr lang="en-US" dirty="0">
+                <a:hlinkClick r:id="rId2"/>
+              </a:rPr>
+              <a:t>https://www.youtube.com/watch?v=eWnIhWUpQiQ&amp;feature=youtu.be</a:t>
+            </a:r>
+            <a:endParaRPr lang="en-US" dirty="0"/>
+          </a:p>
+          <a:p>
+            <a:r>
+              <a:rPr lang="en-US" dirty="0">
+                <a:hlinkClick r:id="rId3"/>
+              </a:rPr>
+              <a:t>http://www.nextstrain.org/ebola</a:t>
+            </a:r>
+            <a:endParaRPr lang="en-US" dirty="0"/>
+          </a:p>
+          <a:p>
+            <a:endParaRPr lang="en-US" dirty="0"/>
+          </a:p>
+        </p:txBody>
+      </p:sp>
+      <p:sp>
+        <p:nvSpPr>
+          <p:cNvPr id="6" name="Content Placeholder 5">
+            <a:extLst>
+              <a:ext uri="{FF2B5EF4-FFF2-40B4-BE49-F238E27FC236}">
+                <a16:creationId xmlns:a16="http://schemas.microsoft.com/office/drawing/2014/main" id="{F308A7FD-851E-4BEA-B5E5-C72AFF117848}"/>
+              </a:ext>
+            </a:extLst>
+          </p:cNvPr>
+          <p:cNvSpPr>
+            <a:spLocks noGrp="1"/>
+          </p:cNvSpPr>
+          <p:nvPr>
+            <p:ph sz="quarter" idx="14"/>
+          </p:nvPr>
+        </p:nvSpPr>
+        <p:spPr/>
+        <p:txBody>
+          <a:bodyPr>
+            <a:normAutofit/>
+          </a:bodyPr>
+          <a:lstStyle/>
+          <a:p>
+            <a:r>
+              <a:rPr lang="en-US" dirty="0" err="1"/>
+              <a:t>Secuenciaron</a:t>
+            </a:r>
+            <a:r>
+              <a:rPr lang="en-US" dirty="0"/>
+              <a:t> </a:t>
+            </a:r>
+            <a:r>
+              <a:rPr lang="en-US" dirty="0" err="1"/>
+              <a:t>genomas</a:t>
+            </a:r>
+            <a:r>
+              <a:rPr lang="en-US" dirty="0"/>
+              <a:t> </a:t>
+            </a:r>
+            <a:r>
+              <a:rPr lang="en-US" dirty="0" err="1"/>
+              <a:t>en</a:t>
+            </a:r>
+            <a:r>
+              <a:rPr lang="en-US" dirty="0"/>
+              <a:t> el campo (Minion)</a:t>
+            </a:r>
+          </a:p>
+          <a:p>
+            <a:r>
+              <a:rPr lang="en-US" dirty="0" err="1"/>
+              <a:t>Alinearon</a:t>
+            </a:r>
+            <a:r>
+              <a:rPr lang="en-US" dirty="0"/>
+              <a:t> </a:t>
+            </a:r>
+            <a:r>
+              <a:rPr lang="en-US" dirty="0" err="1"/>
+              <a:t>genomas</a:t>
+            </a:r>
+            <a:endParaRPr lang="en-US" dirty="0"/>
+          </a:p>
+          <a:p>
+            <a:r>
+              <a:rPr lang="en-US" dirty="0" err="1"/>
+              <a:t>Agruparon</a:t>
+            </a:r>
+            <a:r>
+              <a:rPr lang="en-US" dirty="0"/>
+              <a:t> </a:t>
+            </a:r>
+            <a:r>
+              <a:rPr lang="en-US" dirty="0" err="1"/>
+              <a:t>estudios</a:t>
+            </a:r>
+            <a:endParaRPr lang="en-US" dirty="0"/>
+          </a:p>
+          <a:p>
+            <a:r>
+              <a:rPr lang="en-US" dirty="0" err="1"/>
+              <a:t>Reconstruyeron</a:t>
+            </a:r>
+            <a:r>
+              <a:rPr lang="en-US" dirty="0"/>
+              <a:t> </a:t>
+            </a:r>
+            <a:r>
+              <a:rPr lang="en-US" dirty="0" err="1"/>
+              <a:t>filogenia</a:t>
+            </a:r>
+            <a:endParaRPr lang="en-US" dirty="0"/>
+          </a:p>
+          <a:p>
+            <a:r>
+              <a:rPr lang="en-US" dirty="0" err="1"/>
+              <a:t>Modelamiento</a:t>
+            </a:r>
+            <a:r>
+              <a:rPr lang="en-US" dirty="0"/>
+              <a:t> de </a:t>
+            </a:r>
+            <a:r>
+              <a:rPr lang="en-US" dirty="0" err="1"/>
+              <a:t>transferencia</a:t>
+            </a:r>
+            <a:r>
+              <a:rPr lang="en-US" dirty="0"/>
+              <a:t> de virus</a:t>
+            </a:r>
+          </a:p>
+        </p:txBody>
+      </p:sp>
+    </p:spTree>
+    <p:extLst>
+      <p:ext uri="{BB962C8B-B14F-4D97-AF65-F5344CB8AC3E}">
+        <p14:creationId xmlns:p14="http://schemas.microsoft.com/office/powerpoint/2010/main" val="402193319"/>
       </p:ext>
     </p:extLst>
   </p:cSld>
@@ -9205,7 +9549,7 @@
         <p:spPr/>
         <p:txBody>
           <a:bodyPr>
-            <a:normAutofit fontScale="92500"/>
+            <a:normAutofit/>
           </a:bodyPr>
           <a:lstStyle/>
           <a:p>
@@ -9232,23 +9576,40 @@
           <a:p>
             <a:r>
               <a:rPr lang="es-PE" sz="2800" dirty="0"/>
-              <a:t>Que organismos están presentes?</a:t>
-            </a:r>
-          </a:p>
-          <a:p>
+              <a:t>Ex: 16S </a:t>
+            </a:r>
+            <a:r>
+              <a:rPr lang="es-PE" sz="2800" dirty="0" err="1"/>
+              <a:t>rRNA</a:t>
+            </a:r>
             <a:r>
               <a:rPr lang="es-PE" sz="2800" dirty="0"/>
-              <a:t>Cual es la proporción de los organismos?</a:t>
-            </a:r>
-          </a:p>
-          <a:p>
+              <a:t>,</a:t>
+            </a:r>
+            <a:r>
+              <a:rPr lang="es-PE" sz="2800" i="1" dirty="0"/>
+              <a:t> </a:t>
+            </a:r>
+            <a:r>
+              <a:rPr lang="es-PE" sz="2800" i="1" dirty="0" err="1"/>
+              <a:t>rpoN</a:t>
+            </a:r>
+            <a:r>
+              <a:rPr lang="es-PE" sz="2800" i="1" dirty="0"/>
+              <a:t>, </a:t>
+            </a:r>
+            <a:r>
+              <a:rPr lang="es-PE" sz="2800" i="1" dirty="0" err="1"/>
+              <a:t>recA</a:t>
+            </a:r>
+            <a:r>
+              <a:rPr lang="es-PE" sz="2800" i="1" dirty="0"/>
+              <a:t>, </a:t>
+            </a:r>
             <a:r>
               <a:rPr lang="es-PE" sz="2800" dirty="0"/>
-              <a:t>Que tan similares son mis comunidades</a:t>
-            </a:r>
-          </a:p>
-          <a:p>
-            <a:endParaRPr lang="es-PE" sz="2800" dirty="0"/>
+              <a:t>ITS2</a:t>
+            </a:r>
           </a:p>
           <a:p>
             <a:endParaRPr lang="es-PE" sz="2800" dirty="0"/>
@@ -9285,7 +9646,7 @@
         <p:spPr/>
         <p:txBody>
           <a:bodyPr>
-            <a:normAutofit/>
+            <a:normAutofit lnSpcReduction="10000"/>
           </a:bodyPr>
           <a:lstStyle/>
           <a:p>
@@ -9310,27 +9671,79 @@
             </a:r>
           </a:p>
           <a:p>
-            <a:pPr lvl="1"/>
             <a:r>
               <a:rPr lang="es-PE" dirty="0"/>
-              <a:t>Quienes aportan mis genes</a:t>
-            </a:r>
-          </a:p>
-          <a:p>
-            <a:pPr lvl="1"/>
-            <a:r>
-              <a:rPr lang="es-PE" dirty="0"/>
-              <a:t>Cual es la diversidad para esta gen en la comunidad?</a:t>
-            </a:r>
-          </a:p>
-          <a:p>
-            <a:pPr lvl="1"/>
-            <a:r>
-              <a:rPr lang="es-PE" dirty="0"/>
-              <a:t>Que tan novedoso es mi gen?</a:t>
-            </a:r>
-          </a:p>
-          <a:p>
+              <a:t>Asociados a parte critica del ciclo o proceso de </a:t>
+            </a:r>
+            <a:r>
+              <a:rPr lang="es-PE" dirty="0" err="1"/>
+              <a:t>degradacion</a:t>
+            </a:r>
+            <a:endParaRPr lang="es-PE" dirty="0"/>
+          </a:p>
+          <a:p>
+            <a:r>
+              <a:rPr lang="es-PE" sz="3200" dirty="0"/>
+              <a:t>Ex: </a:t>
+            </a:r>
+            <a:r>
+              <a:rPr lang="es-PE" i="1" dirty="0" err="1"/>
+              <a:t>nirS</a:t>
+            </a:r>
+            <a:r>
+              <a:rPr lang="es-PE" i="1" dirty="0"/>
+              <a:t>, </a:t>
+            </a:r>
+            <a:r>
+              <a:rPr lang="es-PE" i="1" dirty="0" err="1"/>
+              <a:t>amoA</a:t>
+            </a:r>
+            <a:r>
+              <a:rPr lang="es-PE" i="1" dirty="0"/>
+              <a:t>, </a:t>
+            </a:r>
+            <a:r>
+              <a:rPr lang="es-PE" i="1" dirty="0" err="1"/>
+              <a:t>mcrA</a:t>
+            </a:r>
+            <a:r>
+              <a:rPr lang="es-PE" i="1" dirty="0"/>
+              <a:t>, </a:t>
+            </a:r>
+            <a:r>
+              <a:rPr lang="es-PE" i="1" dirty="0" err="1"/>
+              <a:t>bphA</a:t>
+            </a:r>
+            <a:r>
+              <a:rPr lang="es-PE" i="1" dirty="0"/>
+              <a:t>, </a:t>
+            </a:r>
+            <a:r>
+              <a:rPr lang="es-PE" i="1" dirty="0" err="1"/>
+              <a:t>dsrB</a:t>
+            </a:r>
+            <a:r>
+              <a:rPr lang="es-PE" i="1" dirty="0"/>
+              <a:t>, </a:t>
+            </a:r>
+            <a:r>
+              <a:rPr lang="es-PE" i="1" dirty="0" err="1"/>
+              <a:t>buk</a:t>
+            </a:r>
+            <a:r>
+              <a:rPr lang="es-PE" i="1" dirty="0"/>
+              <a:t>, </a:t>
+            </a:r>
+            <a:r>
+              <a:rPr lang="es-PE" i="1" dirty="0" err="1"/>
+              <a:t>arsA</a:t>
+            </a:r>
+            <a:endParaRPr lang="es-PE" dirty="0"/>
+          </a:p>
+          <a:p>
+            <a:pPr marL="0" indent="0">
+              <a:buNone/>
+            </a:pPr>
             <a:endParaRPr lang="es-PE" dirty="0"/>
           </a:p>
           <a:p>
@@ -9387,6 +9800,189 @@
           <a:p>
             <a:r>
               <a:rPr lang="es-PE" dirty="0"/>
+              <a:t>Diferencias entre genes</a:t>
+            </a:r>
+          </a:p>
+        </p:txBody>
+      </p:sp>
+      <p:sp>
+        <p:nvSpPr>
+          <p:cNvPr id="3" name="Content Placeholder 2"/>
+          <p:cNvSpPr>
+            <a:spLocks noGrp="1"/>
+          </p:cNvSpPr>
+          <p:nvPr>
+            <p:ph sz="quarter" idx="13"/>
+          </p:nvPr>
+        </p:nvSpPr>
+        <p:spPr/>
+        <p:txBody>
+          <a:bodyPr>
+            <a:normAutofit/>
+          </a:bodyPr>
+          <a:lstStyle/>
+          <a:p>
+            <a:pPr marL="0" indent="0">
+              <a:buNone/>
+            </a:pPr>
+            <a:r>
+              <a:rPr lang="es-PE" sz="2800" u="sng" dirty="0"/>
+              <a:t>Marcadores taxonómicos</a:t>
+            </a:r>
+          </a:p>
+          <a:p>
+            <a:pPr marL="0" indent="0">
+              <a:buNone/>
+            </a:pPr>
+            <a:endParaRPr lang="es-PE" sz="2800" dirty="0"/>
+          </a:p>
+          <a:p>
+            <a:r>
+              <a:rPr lang="es-PE" sz="2800" dirty="0"/>
+              <a:t>Que organismos están presentes?</a:t>
+            </a:r>
+          </a:p>
+          <a:p>
+            <a:r>
+              <a:rPr lang="es-PE" sz="2800" dirty="0"/>
+              <a:t>Cual es la proporción de los organismos?</a:t>
+            </a:r>
+          </a:p>
+          <a:p>
+            <a:r>
+              <a:rPr lang="es-PE" sz="2800" dirty="0"/>
+              <a:t>Que tan similares son mis comunidades</a:t>
+            </a:r>
+          </a:p>
+          <a:p>
+            <a:endParaRPr lang="es-PE" sz="2800" dirty="0"/>
+          </a:p>
+          <a:p>
+            <a:endParaRPr lang="es-PE" sz="2800" dirty="0"/>
+          </a:p>
+          <a:p>
+            <a:pPr marL="349355" indent="0">
+              <a:buNone/>
+              <a:tabLst>
+                <a:tab pos="1017588" algn="l"/>
+                <a:tab pos="1017588" algn="l"/>
+                <a:tab pos="1017588" algn="l"/>
+              </a:tabLst>
+            </a:pPr>
+            <a:endParaRPr lang="es-PE" sz="2600" dirty="0"/>
+          </a:p>
+        </p:txBody>
+      </p:sp>
+      <p:sp>
+        <p:nvSpPr>
+          <p:cNvPr id="4" name="Content Placeholder 3">
+            <a:extLst>
+              <a:ext uri="{FF2B5EF4-FFF2-40B4-BE49-F238E27FC236}">
+                <a16:creationId xmlns:a16="http://schemas.microsoft.com/office/drawing/2014/main" id="{51A4A563-DC59-40CF-A5C4-1B1B3D8CF4FC}"/>
+              </a:ext>
+            </a:extLst>
+          </p:cNvPr>
+          <p:cNvSpPr>
+            <a:spLocks noGrp="1"/>
+          </p:cNvSpPr>
+          <p:nvPr>
+            <p:ph sz="quarter" idx="14"/>
+          </p:nvPr>
+        </p:nvSpPr>
+        <p:spPr/>
+        <p:txBody>
+          <a:bodyPr>
+            <a:normAutofit/>
+          </a:bodyPr>
+          <a:lstStyle/>
+          <a:p>
+            <a:pPr marL="0" indent="0">
+              <a:buNone/>
+            </a:pPr>
+            <a:r>
+              <a:rPr lang="es-PE" u="sng" dirty="0"/>
+              <a:t>Genes funcionales</a:t>
+            </a:r>
+          </a:p>
+          <a:p>
+            <a:pPr lvl="1"/>
+            <a:endParaRPr lang="es-PE" dirty="0"/>
+          </a:p>
+          <a:p>
+            <a:r>
+              <a:rPr lang="es-PE" dirty="0"/>
+              <a:t>Quienes llevan mis genes?</a:t>
+            </a:r>
+          </a:p>
+          <a:p>
+            <a:r>
+              <a:rPr lang="es-PE" dirty="0"/>
+              <a:t>Cual es la diversidad para esta gen en la comunidad?</a:t>
+            </a:r>
+          </a:p>
+          <a:p>
+            <a:r>
+              <a:rPr lang="es-PE" dirty="0"/>
+              <a:t>Que tan novedoso es mi gen?</a:t>
+            </a:r>
+          </a:p>
+          <a:p>
+            <a:endParaRPr lang="es-PE" dirty="0"/>
+          </a:p>
+          <a:p>
+            <a:endParaRPr lang="es-PE" dirty="0"/>
+          </a:p>
+        </p:txBody>
+      </p:sp>
+    </p:spTree>
+    <p:extLst>
+      <p:ext uri="{BB962C8B-B14F-4D97-AF65-F5344CB8AC3E}">
+        <p14:creationId xmlns:p14="http://schemas.microsoft.com/office/powerpoint/2010/main" val="3561494380"/>
+      </p:ext>
+    </p:extLst>
+  </p:cSld>
+  <p:clrMapOvr>
+    <a:masterClrMapping/>
+  </p:clrMapOvr>
+</p:sld>
+</file>
+
+<file path=ppt/slides/slide6.xml><?xml version="1.0" encoding="utf-8"?>
+<p:sld xmlns:a="http://schemas.openxmlformats.org/drawingml/2006/main" xmlns:r="http://schemas.openxmlformats.org/officeDocument/2006/relationships" xmlns:p="http://schemas.openxmlformats.org/presentationml/2006/main">
+  <p:cSld>
+    <p:spTree>
+      <p:nvGrpSpPr>
+        <p:cNvPr id="1" name=""/>
+        <p:cNvGrpSpPr/>
+        <p:nvPr/>
+      </p:nvGrpSpPr>
+      <p:grpSpPr>
+        <a:xfrm>
+          <a:off x="0" y="0"/>
+          <a:ext cx="0" cy="0"/>
+          <a:chOff x="0" y="0"/>
+          <a:chExt cx="0" cy="0"/>
+        </a:xfrm>
+      </p:grpSpPr>
+      <p:sp>
+        <p:nvSpPr>
+          <p:cNvPr id="2" name="Title 1"/>
+          <p:cNvSpPr>
+            <a:spLocks noGrp="1"/>
+          </p:cNvSpPr>
+          <p:nvPr>
+            <p:ph type="title"/>
+          </p:nvPr>
+        </p:nvSpPr>
+        <p:spPr/>
+        <p:txBody>
+          <a:bodyPr>
+            <a:normAutofit/>
+          </a:bodyPr>
+          <a:lstStyle/>
+          <a:p>
+            <a:r>
+              <a:rPr lang="es-PE" dirty="0"/>
               <a:t>Plan de ataque</a:t>
             </a:r>
           </a:p>
@@ -10335,7 +10931,7 @@
 </p:sld>
 </file>
 
-<file path=ppt/slides/slide6.xml><?xml version="1.0" encoding="utf-8"?>
+<file path=ppt/slides/slide7.xml><?xml version="1.0" encoding="utf-8"?>
 <p:sld xmlns:a="http://schemas.openxmlformats.org/drawingml/2006/main" xmlns:r="http://schemas.openxmlformats.org/officeDocument/2006/relationships" xmlns:p="http://schemas.openxmlformats.org/presentationml/2006/main">
   <p:cSld>
     <p:spTree>
@@ -10706,7 +11302,7 @@
 </p:sld>
 </file>
 
-<file path=ppt/slides/slide7.xml><?xml version="1.0" encoding="utf-8"?>
+<file path=ppt/slides/slide8.xml><?xml version="1.0" encoding="utf-8"?>
 <p:sld xmlns:a="http://schemas.openxmlformats.org/drawingml/2006/main" xmlns:r="http://schemas.openxmlformats.org/officeDocument/2006/relationships" xmlns:p="http://schemas.openxmlformats.org/presentationml/2006/main">
   <p:cSld>
     <p:spTree>
@@ -11076,7 +11672,7 @@
 </p:sld>
 </file>
 
-<file path=ppt/slides/slide8.xml><?xml version="1.0" encoding="utf-8"?>
+<file path=ppt/slides/slide9.xml><?xml version="1.0" encoding="utf-8"?>
 <p:sld xmlns:a="http://schemas.openxmlformats.org/drawingml/2006/main" xmlns:r="http://schemas.openxmlformats.org/officeDocument/2006/relationships" xmlns:p="http://schemas.openxmlformats.org/presentationml/2006/main">
   <p:cSld>
     <p:spTree>
@@ -11210,200 +11806,6 @@
     <p:extLst>
       <p:ext uri="{BB962C8B-B14F-4D97-AF65-F5344CB8AC3E}">
         <p14:creationId xmlns:p14="http://schemas.microsoft.com/office/powerpoint/2010/main" val="3549373282"/>
-      </p:ext>
-    </p:extLst>
-  </p:cSld>
-  <p:clrMapOvr>
-    <a:masterClrMapping/>
-  </p:clrMapOvr>
-</p:sld>
-</file>
-
-<file path=ppt/slides/slide9.xml><?xml version="1.0" encoding="utf-8"?>
-<p:sld xmlns:a="http://schemas.openxmlformats.org/drawingml/2006/main" xmlns:r="http://schemas.openxmlformats.org/officeDocument/2006/relationships" xmlns:p="http://schemas.openxmlformats.org/presentationml/2006/main">
-  <p:cSld>
-    <p:spTree>
-      <p:nvGrpSpPr>
-        <p:cNvPr id="1" name=""/>
-        <p:cNvGrpSpPr/>
-        <p:nvPr/>
-      </p:nvGrpSpPr>
-      <p:grpSpPr>
-        <a:xfrm>
-          <a:off x="0" y="0"/>
-          <a:ext cx="0" cy="0"/>
-          <a:chOff x="0" y="0"/>
-          <a:chExt cx="0" cy="0"/>
-        </a:xfrm>
-      </p:grpSpPr>
-      <p:sp>
-        <p:nvSpPr>
-          <p:cNvPr id="4" name="Title 3"/>
-          <p:cNvSpPr>
-            <a:spLocks noGrp="1"/>
-          </p:cNvSpPr>
-          <p:nvPr>
-            <p:ph type="title"/>
-          </p:nvPr>
-        </p:nvSpPr>
-        <p:spPr/>
-        <p:txBody>
-          <a:bodyPr>
-            <a:noAutofit/>
-          </a:bodyPr>
-          <a:lstStyle/>
-          <a:p>
-            <a:r>
-              <a:rPr lang="en-US" sz="2400" dirty="0"/>
-              <a:t>Protein search using Hidden Markov Models (HMMs)</a:t>
-            </a:r>
-          </a:p>
-        </p:txBody>
-      </p:sp>
-      <p:sp>
-        <p:nvSpPr>
-          <p:cNvPr id="2" name="Content Placeholder 1"/>
-          <p:cNvSpPr>
-            <a:spLocks noGrp="1"/>
-          </p:cNvSpPr>
-          <p:nvPr>
-            <p:ph sz="half" idx="4294967295"/>
-          </p:nvPr>
-        </p:nvSpPr>
-        <p:spPr>
-          <a:xfrm>
-            <a:off x="855407" y="1433052"/>
-            <a:ext cx="5384800" cy="4525963"/>
-          </a:xfrm>
-          <a:prstGeom prst="rect">
-            <a:avLst/>
-          </a:prstGeom>
-        </p:spPr>
-        <p:txBody>
-          <a:bodyPr>
-            <a:normAutofit/>
-          </a:bodyPr>
-          <a:lstStyle/>
-          <a:p>
-            <a:r>
-              <a:rPr lang="en-US" dirty="0"/>
-              <a:t>Bayesian statistics</a:t>
-            </a:r>
-          </a:p>
-          <a:p>
-            <a:r>
-              <a:rPr lang="en-US" dirty="0"/>
-              <a:t>Markov chain</a:t>
-            </a:r>
-          </a:p>
-          <a:p>
-            <a:pPr lvl="1"/>
-            <a:r>
-              <a:rPr lang="en-US" dirty="0"/>
-              <a:t>Probabilistic models that describe a variable that changes over time</a:t>
-            </a:r>
-          </a:p>
-        </p:txBody>
-      </p:sp>
-      <p:sp>
-        <p:nvSpPr>
-          <p:cNvPr id="3" name="Content Placeholder 2"/>
-          <p:cNvSpPr>
-            <a:spLocks noGrp="1"/>
-          </p:cNvSpPr>
-          <p:nvPr>
-            <p:ph sz="half" idx="4294967295"/>
-          </p:nvPr>
-        </p:nvSpPr>
-        <p:spPr>
-          <a:xfrm>
-            <a:off x="5951793" y="1433051"/>
-            <a:ext cx="5384800" cy="4525963"/>
-          </a:xfrm>
-          <a:prstGeom prst="rect">
-            <a:avLst/>
-          </a:prstGeom>
-        </p:spPr>
-        <p:txBody>
-          <a:bodyPr>
-            <a:normAutofit/>
-          </a:bodyPr>
-          <a:lstStyle/>
-          <a:p>
-            <a:pPr>
-              <a:buFont typeface="Wingdings" pitchFamily="2" charset="2"/>
-              <a:buChar char="ü"/>
-            </a:pPr>
-            <a:r>
-              <a:rPr lang="en-US" dirty="0"/>
-              <a:t>Fast</a:t>
-            </a:r>
-          </a:p>
-          <a:p>
-            <a:pPr>
-              <a:buFont typeface="Wingdings" pitchFamily="2" charset="2"/>
-              <a:buChar char="ü"/>
-            </a:pPr>
-            <a:r>
-              <a:rPr lang="en-US" dirty="0"/>
-              <a:t>More accurate than BLAST</a:t>
-            </a:r>
-          </a:p>
-          <a:p>
-            <a:pPr>
-              <a:buFont typeface="Wingdings" pitchFamily="2" charset="2"/>
-              <a:buChar char="ü"/>
-            </a:pPr>
-            <a:r>
-              <a:rPr lang="en-US" dirty="0"/>
-              <a:t>Once model is built it can be use for search and alignment</a:t>
-            </a:r>
-          </a:p>
-          <a:p>
-            <a:pPr>
-              <a:buFont typeface="Wingdings" pitchFamily="2" charset="2"/>
-              <a:buChar char="ü"/>
-            </a:pPr>
-            <a:r>
-              <a:rPr lang="en-US" dirty="0"/>
-              <a:t>Publically available HMM (</a:t>
-            </a:r>
-            <a:r>
-              <a:rPr lang="en-US" dirty="0" err="1"/>
-              <a:t>e.g</a:t>
-            </a:r>
-            <a:r>
-              <a:rPr lang="en-US" dirty="0"/>
-              <a:t> </a:t>
-            </a:r>
-            <a:r>
-              <a:rPr lang="en-US" dirty="0" err="1"/>
-              <a:t>Pfam</a:t>
-            </a:r>
-            <a:r>
-              <a:rPr lang="en-US" dirty="0"/>
-              <a:t>)</a:t>
-            </a:r>
-          </a:p>
-          <a:p>
-            <a:pPr>
-              <a:buFont typeface="Webdings" pitchFamily="18" charset="2"/>
-              <a:buChar char=""/>
-            </a:pPr>
-            <a:r>
-              <a:rPr lang="en-US" dirty="0"/>
-              <a:t>Results depend on quality of model</a:t>
-            </a:r>
-          </a:p>
-          <a:p>
-            <a:endParaRPr lang="en-US" dirty="0"/>
-          </a:p>
-        </p:txBody>
-      </p:sp>
-    </p:spTree>
-    <p:extLst>
-      <p:ext uri="{BB962C8B-B14F-4D97-AF65-F5344CB8AC3E}">
-        <p14:creationId xmlns:p14="http://schemas.microsoft.com/office/powerpoint/2010/main" val="3703943280"/>
       </p:ext>
     </p:extLst>
   </p:cSld>

--- a/W7_Analisis_de_genes_funcionales.pptx
+++ b/W7_Analisis_de_genes_funcionales.pptx
@@ -6,8 +6,8 @@
   </p:sldMasterIdLst>
   <p:sldIdLst>
     <p:sldId id="259" r:id="rId2"/>
-    <p:sldId id="260" r:id="rId3"/>
-    <p:sldId id="261" r:id="rId4"/>
+    <p:sldId id="261" r:id="rId3"/>
+    <p:sldId id="260" r:id="rId4"/>
     <p:sldId id="263" r:id="rId5"/>
     <p:sldId id="294" r:id="rId6"/>
     <p:sldId id="264" r:id="rId7"/>
@@ -4666,13 +4666,6 @@
               <a:t>Erick Cardenas Poire</a:t>
             </a:r>
           </a:p>
-          <a:p>
-            <a:pPr algn="ctr"/>
-            <a:r>
-              <a:rPr lang="en-AU" dirty="0"/>
-              <a:t>University of British Columbia</a:t>
-            </a:r>
-          </a:p>
         </p:txBody>
       </p:sp>
     </p:spTree>
@@ -7659,20 +7652,21 @@
         </p:nvSpPr>
         <p:spPr/>
         <p:txBody>
-          <a:bodyPr/>
-          <a:lstStyle/>
-          <a:p>
-            <a:r>
-              <a:rPr lang="en-US" dirty="0" err="1"/>
-              <a:t>Objetivos</a:t>
-            </a:r>
-            <a:endParaRPr lang="en-US" dirty="0"/>
-          </a:p>
-        </p:txBody>
-      </p:sp>
-      <p:sp>
-        <p:nvSpPr>
-          <p:cNvPr id="6" name="Content Placeholder 5"/>
+          <a:bodyPr>
+            <a:normAutofit/>
+          </a:bodyPr>
+          <a:lstStyle/>
+          <a:p>
+            <a:r>
+              <a:rPr lang="es-PE"/>
+              <a:t>Volviendo a la biodiversidad</a:t>
+            </a:r>
+          </a:p>
+        </p:txBody>
+      </p:sp>
+      <p:sp>
+        <p:nvSpPr>
+          <p:cNvPr id="3" name="Content Placeholder 2"/>
           <p:cNvSpPr>
             <a:spLocks noGrp="1"/>
           </p:cNvSpPr>
@@ -7682,31 +7676,158 @@
         </p:nvSpPr>
         <p:spPr/>
         <p:txBody>
-          <a:bodyPr/>
-          <a:lstStyle/>
-          <a:p>
-            <a:r>
-              <a:rPr lang="es-PE" dirty="0"/>
-              <a:t>Comparar y contrastar análisis de genes funcionales y taxonómicos</a:t>
-            </a:r>
-          </a:p>
-          <a:p>
-            <a:r>
-              <a:rPr lang="es-PE" dirty="0"/>
-              <a:t>Entender que es un modelo de </a:t>
-            </a:r>
-            <a:r>
-              <a:rPr lang="es-PE" dirty="0" err="1"/>
-              <a:t>Hammer</a:t>
-            </a:r>
-            <a:endParaRPr lang="es-PE" dirty="0"/>
+          <a:bodyPr>
+            <a:normAutofit fontScale="85000" lnSpcReduction="20000"/>
+          </a:bodyPr>
+          <a:lstStyle/>
+          <a:p>
+            <a:pPr marL="349355" indent="0">
+              <a:buNone/>
+              <a:tabLst>
+                <a:tab pos="1017588" algn="l"/>
+                <a:tab pos="1017588" algn="l"/>
+                <a:tab pos="1017588" algn="l"/>
+              </a:tabLst>
+            </a:pPr>
+            <a:endParaRPr lang="es-PE" sz="3600" dirty="0"/>
+          </a:p>
+          <a:p>
+            <a:pPr marL="349355" indent="0">
+              <a:buNone/>
+              <a:tabLst>
+                <a:tab pos="1017588" algn="l"/>
+                <a:tab pos="1017588" algn="l"/>
+                <a:tab pos="1017588" algn="l"/>
+              </a:tabLst>
+            </a:pPr>
+            <a:r>
+              <a:rPr lang="es-PE" sz="3600" dirty="0" err="1"/>
+              <a:t>Magurran</a:t>
+            </a:r>
+            <a:r>
+              <a:rPr lang="es-PE" sz="3600" dirty="0"/>
+              <a:t>:</a:t>
+            </a:r>
+          </a:p>
+          <a:p>
+            <a:pPr marL="692255" indent="-342900">
+              <a:tabLst>
+                <a:tab pos="1017588" algn="l"/>
+                <a:tab pos="1017588" algn="l"/>
+                <a:tab pos="1017588" algn="l"/>
+              </a:tabLst>
+            </a:pPr>
+            <a:endParaRPr lang="es-PE" sz="2800" dirty="0"/>
+          </a:p>
+          <a:p>
+            <a:pPr marL="692255" indent="-342900">
+              <a:tabLst>
+                <a:tab pos="1017588" algn="l"/>
+                <a:tab pos="1017588" algn="l"/>
+                <a:tab pos="1017588" algn="l"/>
+              </a:tabLst>
+            </a:pPr>
+            <a:r>
+              <a:rPr lang="es-PE" sz="3200" dirty="0"/>
+              <a:t>Variedad y abundancia de especies en una unidad de estudio definida.</a:t>
+            </a:r>
+          </a:p>
+          <a:p>
+            <a:pPr marL="692255" indent="-342900">
+              <a:tabLst>
+                <a:tab pos="1017588" algn="l"/>
+                <a:tab pos="1017588" algn="l"/>
+                <a:tab pos="1017588" algn="l"/>
+              </a:tabLst>
+            </a:pPr>
+            <a:endParaRPr lang="es-PE" sz="3200" dirty="0"/>
+          </a:p>
+          <a:p>
+            <a:pPr marL="692255" indent="-342900">
+              <a:tabLst>
+                <a:tab pos="1017588" algn="l"/>
+                <a:tab pos="1017588" algn="l"/>
+                <a:tab pos="1017588" algn="l"/>
+              </a:tabLst>
+            </a:pPr>
+            <a:endParaRPr lang="es-PE" sz="3200" dirty="0"/>
+          </a:p>
+          <a:p>
+            <a:pPr marL="349355" indent="0">
+              <a:buNone/>
+              <a:tabLst>
+                <a:tab pos="1017588" algn="l"/>
+                <a:tab pos="1017588" algn="l"/>
+                <a:tab pos="1017588" algn="l"/>
+              </a:tabLst>
+            </a:pPr>
+            <a:r>
+              <a:rPr lang="es-PE" sz="3000" dirty="0"/>
+              <a:t>Biodiversidad:</a:t>
+            </a:r>
+          </a:p>
+          <a:p>
+            <a:pPr marL="692255" indent="-342900">
+              <a:tabLst>
+                <a:tab pos="1017588" algn="l"/>
+                <a:tab pos="1017588" algn="l"/>
+                <a:tab pos="1017588" algn="l"/>
+              </a:tabLst>
+            </a:pPr>
+            <a:endParaRPr lang="es-PE" sz="3200" dirty="0"/>
+          </a:p>
+          <a:p>
+            <a:pPr marL="692255" indent="-342900">
+              <a:tabLst>
+                <a:tab pos="1017588" algn="l"/>
+                <a:tab pos="1017588" algn="l"/>
+                <a:tab pos="1017588" algn="l"/>
+              </a:tabLst>
+            </a:pPr>
+            <a:r>
+              <a:rPr lang="es-PE" sz="3200" dirty="0"/>
+              <a:t>Totalidad de genes, especies, y ecosistemas de una región</a:t>
+            </a:r>
+          </a:p>
+          <a:p>
+            <a:pPr marL="712240" lvl="1" indent="0">
+              <a:buNone/>
+              <a:tabLst>
+                <a:tab pos="1017588" algn="l"/>
+                <a:tab pos="1017588" algn="l"/>
+                <a:tab pos="1017588" algn="l"/>
+              </a:tabLst>
+            </a:pPr>
+            <a:endParaRPr lang="es-PE" sz="2900" dirty="0"/>
+          </a:p>
+          <a:p>
+            <a:pPr marL="349355" indent="0">
+              <a:buNone/>
+              <a:tabLst>
+                <a:tab pos="1017588" algn="l"/>
+                <a:tab pos="1017588" algn="l"/>
+                <a:tab pos="1017588" algn="l"/>
+              </a:tabLst>
+            </a:pPr>
+            <a:endParaRPr lang="es-PE" sz="3200" dirty="0"/>
+          </a:p>
+          <a:p>
+            <a:pPr marL="349355" indent="0">
+              <a:buNone/>
+              <a:tabLst>
+                <a:tab pos="1017588" algn="l"/>
+                <a:tab pos="1017588" algn="l"/>
+                <a:tab pos="1017588" algn="l"/>
+              </a:tabLst>
+            </a:pPr>
+            <a:endParaRPr lang="es-PE" sz="3000" dirty="0"/>
           </a:p>
         </p:txBody>
       </p:sp>
     </p:spTree>
     <p:extLst>
       <p:ext uri="{BB962C8B-B14F-4D97-AF65-F5344CB8AC3E}">
-        <p14:creationId xmlns:p14="http://schemas.microsoft.com/office/powerpoint/2010/main" val="2432363482"/>
+        <p14:creationId xmlns:p14="http://schemas.microsoft.com/office/powerpoint/2010/main" val="2275768977"/>
       </p:ext>
     </p:extLst>
   </p:cSld>
@@ -9310,21 +9431,20 @@
         </p:nvSpPr>
         <p:spPr/>
         <p:txBody>
-          <a:bodyPr>
-            <a:normAutofit/>
-          </a:bodyPr>
-          <a:lstStyle/>
-          <a:p>
-            <a:r>
-              <a:rPr lang="es-PE"/>
-              <a:t>Volviendo a la biodiversidad</a:t>
-            </a:r>
-          </a:p>
-        </p:txBody>
-      </p:sp>
-      <p:sp>
-        <p:nvSpPr>
-          <p:cNvPr id="3" name="Content Placeholder 2"/>
+          <a:bodyPr/>
+          <a:lstStyle/>
+          <a:p>
+            <a:r>
+              <a:rPr lang="en-US" dirty="0" err="1"/>
+              <a:t>Objetivos</a:t>
+            </a:r>
+            <a:endParaRPr lang="en-US" dirty="0"/>
+          </a:p>
+        </p:txBody>
+      </p:sp>
+      <p:sp>
+        <p:nvSpPr>
+          <p:cNvPr id="6" name="Content Placeholder 5"/>
           <p:cNvSpPr>
             <a:spLocks noGrp="1"/>
           </p:cNvSpPr>
@@ -9334,158 +9454,31 @@
         </p:nvSpPr>
         <p:spPr/>
         <p:txBody>
-          <a:bodyPr>
-            <a:normAutofit fontScale="85000" lnSpcReduction="20000"/>
-          </a:bodyPr>
-          <a:lstStyle/>
-          <a:p>
-            <a:pPr marL="349355" indent="0">
-              <a:buNone/>
-              <a:tabLst>
-                <a:tab pos="1017588" algn="l"/>
-                <a:tab pos="1017588" algn="l"/>
-                <a:tab pos="1017588" algn="l"/>
-              </a:tabLst>
-            </a:pPr>
-            <a:endParaRPr lang="es-PE" sz="3600" dirty="0"/>
-          </a:p>
-          <a:p>
-            <a:pPr marL="349355" indent="0">
-              <a:buNone/>
-              <a:tabLst>
-                <a:tab pos="1017588" algn="l"/>
-                <a:tab pos="1017588" algn="l"/>
-                <a:tab pos="1017588" algn="l"/>
-              </a:tabLst>
-            </a:pPr>
-            <a:r>
-              <a:rPr lang="es-PE" sz="3600" dirty="0" err="1"/>
-              <a:t>Magurran</a:t>
-            </a:r>
-            <a:r>
-              <a:rPr lang="es-PE" sz="3600" dirty="0"/>
-              <a:t>:</a:t>
-            </a:r>
-          </a:p>
-          <a:p>
-            <a:pPr marL="692255" indent="-342900">
-              <a:tabLst>
-                <a:tab pos="1017588" algn="l"/>
-                <a:tab pos="1017588" algn="l"/>
-                <a:tab pos="1017588" algn="l"/>
-              </a:tabLst>
-            </a:pPr>
-            <a:endParaRPr lang="es-PE" sz="2800" dirty="0"/>
-          </a:p>
-          <a:p>
-            <a:pPr marL="692255" indent="-342900">
-              <a:tabLst>
-                <a:tab pos="1017588" algn="l"/>
-                <a:tab pos="1017588" algn="l"/>
-                <a:tab pos="1017588" algn="l"/>
-              </a:tabLst>
-            </a:pPr>
-            <a:r>
-              <a:rPr lang="es-PE" sz="3200" dirty="0"/>
-              <a:t>Variedad y abundancia de especies en una unidad de estudio definida.</a:t>
-            </a:r>
-          </a:p>
-          <a:p>
-            <a:pPr marL="692255" indent="-342900">
-              <a:tabLst>
-                <a:tab pos="1017588" algn="l"/>
-                <a:tab pos="1017588" algn="l"/>
-                <a:tab pos="1017588" algn="l"/>
-              </a:tabLst>
-            </a:pPr>
-            <a:endParaRPr lang="es-PE" sz="3200" dirty="0"/>
-          </a:p>
-          <a:p>
-            <a:pPr marL="692255" indent="-342900">
-              <a:tabLst>
-                <a:tab pos="1017588" algn="l"/>
-                <a:tab pos="1017588" algn="l"/>
-                <a:tab pos="1017588" algn="l"/>
-              </a:tabLst>
-            </a:pPr>
-            <a:endParaRPr lang="es-PE" sz="3200" dirty="0"/>
-          </a:p>
-          <a:p>
-            <a:pPr marL="349355" indent="0">
-              <a:buNone/>
-              <a:tabLst>
-                <a:tab pos="1017588" algn="l"/>
-                <a:tab pos="1017588" algn="l"/>
-                <a:tab pos="1017588" algn="l"/>
-              </a:tabLst>
-            </a:pPr>
-            <a:r>
-              <a:rPr lang="es-PE" sz="3000" dirty="0"/>
-              <a:t>Biodiversidad:</a:t>
-            </a:r>
-          </a:p>
-          <a:p>
-            <a:pPr marL="692255" indent="-342900">
-              <a:tabLst>
-                <a:tab pos="1017588" algn="l"/>
-                <a:tab pos="1017588" algn="l"/>
-                <a:tab pos="1017588" algn="l"/>
-              </a:tabLst>
-            </a:pPr>
-            <a:endParaRPr lang="es-PE" sz="3200" dirty="0"/>
-          </a:p>
-          <a:p>
-            <a:pPr marL="692255" indent="-342900">
-              <a:tabLst>
-                <a:tab pos="1017588" algn="l"/>
-                <a:tab pos="1017588" algn="l"/>
-                <a:tab pos="1017588" algn="l"/>
-              </a:tabLst>
-            </a:pPr>
-            <a:r>
-              <a:rPr lang="es-PE" sz="3200" dirty="0"/>
-              <a:t>Totalidad de genes, especies, y ecosistemas de una región</a:t>
-            </a:r>
-          </a:p>
-          <a:p>
-            <a:pPr marL="712240" lvl="1" indent="0">
-              <a:buNone/>
-              <a:tabLst>
-                <a:tab pos="1017588" algn="l"/>
-                <a:tab pos="1017588" algn="l"/>
-                <a:tab pos="1017588" algn="l"/>
-              </a:tabLst>
-            </a:pPr>
-            <a:endParaRPr lang="es-PE" sz="2900" dirty="0"/>
-          </a:p>
-          <a:p>
-            <a:pPr marL="349355" indent="0">
-              <a:buNone/>
-              <a:tabLst>
-                <a:tab pos="1017588" algn="l"/>
-                <a:tab pos="1017588" algn="l"/>
-                <a:tab pos="1017588" algn="l"/>
-              </a:tabLst>
-            </a:pPr>
-            <a:endParaRPr lang="es-PE" sz="3200" dirty="0"/>
-          </a:p>
-          <a:p>
-            <a:pPr marL="349355" indent="0">
-              <a:buNone/>
-              <a:tabLst>
-                <a:tab pos="1017588" algn="l"/>
-                <a:tab pos="1017588" algn="l"/>
-                <a:tab pos="1017588" algn="l"/>
-              </a:tabLst>
-            </a:pPr>
-            <a:endParaRPr lang="es-PE" sz="3000" dirty="0"/>
+          <a:bodyPr/>
+          <a:lstStyle/>
+          <a:p>
+            <a:r>
+              <a:rPr lang="es-PE" dirty="0"/>
+              <a:t>Comparar y contrastar análisis de genes funcionales y taxonómicos</a:t>
+            </a:r>
+          </a:p>
+          <a:p>
+            <a:r>
+              <a:rPr lang="es-PE" dirty="0"/>
+              <a:t>Entender que es un modelo de </a:t>
+            </a:r>
+            <a:r>
+              <a:rPr lang="es-PE" dirty="0" err="1"/>
+              <a:t>Hammer</a:t>
+            </a:r>
+            <a:endParaRPr lang="es-PE" dirty="0"/>
           </a:p>
         </p:txBody>
       </p:sp>
     </p:spTree>
     <p:extLst>
       <p:ext uri="{BB962C8B-B14F-4D97-AF65-F5344CB8AC3E}">
-        <p14:creationId xmlns:p14="http://schemas.microsoft.com/office/powerpoint/2010/main" val="2275768977"/>
+        <p14:creationId xmlns:p14="http://schemas.microsoft.com/office/powerpoint/2010/main" val="2432363482"/>
       </p:ext>
     </p:extLst>
   </p:cSld>
